--- a/wp-content/uploads/2018/04/簡報1.pptx
+++ b/wp-content/uploads/2018/04/簡報1.pptx
@@ -6,6 +6,8 @@
   </p:sldMasterIdLst>
   <p:sldIdLst>
     <p:sldId id="256" r:id="rId2"/>
+    <p:sldId id="257" r:id="rId3"/>
+    <p:sldId id="258" r:id="rId4"/>
   </p:sldIdLst>
   <p:sldSz cx="12192000" cy="6858000"/>
   <p:notesSz cx="6858000" cy="9144000"/>
@@ -104,6 +106,11 @@
       </a:defRPr>
     </a:lvl9pPr>
   </p:defaultTextStyle>
+  <p:extLst>
+    <p:ext uri="{EFAFB233-063F-42B5-8137-9DF3F51BA10A}">
+      <p15:sldGuideLst xmlns:p15="http://schemas.microsoft.com/office/powerpoint/2012/main"/>
+    </p:ext>
+  </p:extLst>
 </p:presentation>
 </file>
 
@@ -3393,6 +3400,1543 @@
 </p:sld>
 </file>
 
+<file path=ppt/slides/slide2.xml><?xml version="1.0" encoding="utf-8"?>
+<p:sld xmlns:a="http://schemas.openxmlformats.org/drawingml/2006/main" xmlns:r="http://schemas.openxmlformats.org/officeDocument/2006/relationships" xmlns:p="http://schemas.openxmlformats.org/presentationml/2006/main">
+  <p:cSld>
+    <p:spTree>
+      <p:nvGrpSpPr>
+        <p:cNvPr id="1" name=""/>
+        <p:cNvGrpSpPr/>
+        <p:nvPr/>
+      </p:nvGrpSpPr>
+      <p:grpSpPr>
+        <a:xfrm>
+          <a:off x="0" y="0"/>
+          <a:ext cx="0" cy="0"/>
+          <a:chOff x="0" y="0"/>
+          <a:chExt cx="0" cy="0"/>
+        </a:xfrm>
+      </p:grpSpPr>
+      <p:sp>
+        <p:nvSpPr>
+          <p:cNvPr id="4" name="橢圓 3"/>
+          <p:cNvSpPr/>
+          <p:nvPr/>
+        </p:nvSpPr>
+        <p:spPr>
+          <a:xfrm>
+            <a:off x="1836822" y="1098885"/>
+            <a:ext cx="4427621" cy="4307305"/>
+          </a:xfrm>
+          <a:prstGeom prst="ellipse">
+            <a:avLst/>
+          </a:prstGeom>
+        </p:spPr>
+        <p:style>
+          <a:lnRef idx="2">
+            <a:schemeClr val="accent1"/>
+          </a:lnRef>
+          <a:fillRef idx="1">
+            <a:schemeClr val="lt1"/>
+          </a:fillRef>
+          <a:effectRef idx="0">
+            <a:schemeClr val="accent1"/>
+          </a:effectRef>
+          <a:fontRef idx="minor">
+            <a:schemeClr val="dk1"/>
+          </a:fontRef>
+        </p:style>
+        <p:txBody>
+          <a:bodyPr rtlCol="0" anchor="ctr"/>
+          <a:lstStyle/>
+          <a:p>
+            <a:pPr algn="ctr"/>
+            <a:endParaRPr lang="en-US"/>
+          </a:p>
+        </p:txBody>
+      </p:sp>
+      <p:sp>
+        <p:nvSpPr>
+          <p:cNvPr id="5" name="橢圓 4"/>
+          <p:cNvSpPr/>
+          <p:nvPr/>
+        </p:nvSpPr>
+        <p:spPr>
+          <a:xfrm>
+            <a:off x="2157665" y="1427747"/>
+            <a:ext cx="3785936" cy="3649580"/>
+          </a:xfrm>
+          <a:prstGeom prst="ellipse">
+            <a:avLst/>
+          </a:prstGeom>
+        </p:spPr>
+        <p:style>
+          <a:lnRef idx="2">
+            <a:schemeClr val="accent1"/>
+          </a:lnRef>
+          <a:fillRef idx="1">
+            <a:schemeClr val="lt1"/>
+          </a:fillRef>
+          <a:effectRef idx="0">
+            <a:schemeClr val="accent1"/>
+          </a:effectRef>
+          <a:fontRef idx="minor">
+            <a:schemeClr val="dk1"/>
+          </a:fontRef>
+        </p:style>
+        <p:txBody>
+          <a:bodyPr rtlCol="0" anchor="ctr"/>
+          <a:lstStyle/>
+          <a:p>
+            <a:pPr algn="ctr"/>
+            <a:endParaRPr lang="en-US" dirty="0"/>
+          </a:p>
+        </p:txBody>
+      </p:sp>
+      <p:cxnSp>
+        <p:nvCxnSpPr>
+          <p:cNvPr id="7" name="直線接點 6"/>
+          <p:cNvCxnSpPr>
+            <a:stCxn id="4" idx="0"/>
+            <a:endCxn id="5" idx="0"/>
+          </p:cNvCxnSpPr>
+          <p:nvPr/>
+        </p:nvCxnSpPr>
+        <p:spPr>
+          <a:xfrm>
+            <a:off x="4050633" y="1098885"/>
+            <a:ext cx="0" cy="328862"/>
+          </a:xfrm>
+          <a:prstGeom prst="line">
+            <a:avLst/>
+          </a:prstGeom>
+        </p:spPr>
+        <p:style>
+          <a:lnRef idx="1">
+            <a:schemeClr val="accent1"/>
+          </a:lnRef>
+          <a:fillRef idx="0">
+            <a:schemeClr val="accent1"/>
+          </a:fillRef>
+          <a:effectRef idx="0">
+            <a:schemeClr val="accent1"/>
+          </a:effectRef>
+          <a:fontRef idx="minor">
+            <a:schemeClr val="tx1"/>
+          </a:fontRef>
+        </p:style>
+      </p:cxnSp>
+      <p:cxnSp>
+        <p:nvCxnSpPr>
+          <p:cNvPr id="9" name="直線接點 8"/>
+          <p:cNvCxnSpPr/>
+          <p:nvPr/>
+        </p:nvCxnSpPr>
+        <p:spPr>
+          <a:xfrm flipH="1">
+            <a:off x="4299284" y="1098885"/>
+            <a:ext cx="40105" cy="328862"/>
+          </a:xfrm>
+          <a:prstGeom prst="line">
+            <a:avLst/>
+          </a:prstGeom>
+        </p:spPr>
+        <p:style>
+          <a:lnRef idx="1">
+            <a:schemeClr val="accent1"/>
+          </a:lnRef>
+          <a:fillRef idx="0">
+            <a:schemeClr val="accent1"/>
+          </a:fillRef>
+          <a:effectRef idx="0">
+            <a:schemeClr val="accent1"/>
+          </a:effectRef>
+          <a:fontRef idx="minor">
+            <a:schemeClr val="tx1"/>
+          </a:fontRef>
+        </p:style>
+      </p:cxnSp>
+      <p:cxnSp>
+        <p:nvCxnSpPr>
+          <p:cNvPr id="11" name="直線接點 10"/>
+          <p:cNvCxnSpPr/>
+          <p:nvPr/>
+        </p:nvCxnSpPr>
+        <p:spPr>
+          <a:xfrm flipH="1">
+            <a:off x="4515853" y="1155032"/>
+            <a:ext cx="88231" cy="336884"/>
+          </a:xfrm>
+          <a:prstGeom prst="line">
+            <a:avLst/>
+          </a:prstGeom>
+        </p:spPr>
+        <p:style>
+          <a:lnRef idx="1">
+            <a:schemeClr val="accent1"/>
+          </a:lnRef>
+          <a:fillRef idx="0">
+            <a:schemeClr val="accent1"/>
+          </a:fillRef>
+          <a:effectRef idx="0">
+            <a:schemeClr val="accent1"/>
+          </a:effectRef>
+          <a:fontRef idx="minor">
+            <a:schemeClr val="tx1"/>
+          </a:fontRef>
+        </p:style>
+      </p:cxnSp>
+      <p:cxnSp>
+        <p:nvCxnSpPr>
+          <p:cNvPr id="15" name="直線接點 14"/>
+          <p:cNvCxnSpPr/>
+          <p:nvPr/>
+        </p:nvCxnSpPr>
+        <p:spPr>
+          <a:xfrm flipH="1">
+            <a:off x="4740442" y="1259305"/>
+            <a:ext cx="96257" cy="272716"/>
+          </a:xfrm>
+          <a:prstGeom prst="line">
+            <a:avLst/>
+          </a:prstGeom>
+        </p:spPr>
+        <p:style>
+          <a:lnRef idx="1">
+            <a:schemeClr val="accent1"/>
+          </a:lnRef>
+          <a:fillRef idx="0">
+            <a:schemeClr val="accent1"/>
+          </a:fillRef>
+          <a:effectRef idx="0">
+            <a:schemeClr val="accent1"/>
+          </a:effectRef>
+          <a:fontRef idx="minor">
+            <a:schemeClr val="tx1"/>
+          </a:fontRef>
+        </p:style>
+      </p:cxnSp>
+      <p:sp>
+        <p:nvSpPr>
+          <p:cNvPr id="17" name="圓角矩形 16"/>
+          <p:cNvSpPr/>
+          <p:nvPr/>
+        </p:nvSpPr>
+        <p:spPr>
+          <a:xfrm>
+            <a:off x="3930316" y="216568"/>
+            <a:ext cx="810126" cy="393032"/>
+          </a:xfrm>
+          <a:prstGeom prst="roundRect">
+            <a:avLst/>
+          </a:prstGeom>
+        </p:spPr>
+        <p:style>
+          <a:lnRef idx="2">
+            <a:schemeClr val="accent2"/>
+          </a:lnRef>
+          <a:fillRef idx="1">
+            <a:schemeClr val="lt1"/>
+          </a:fillRef>
+          <a:effectRef idx="0">
+            <a:schemeClr val="accent2"/>
+          </a:effectRef>
+          <a:fontRef idx="minor">
+            <a:schemeClr val="dk1"/>
+          </a:fontRef>
+        </p:style>
+        <p:txBody>
+          <a:bodyPr rtlCol="0" anchor="ctr"/>
+          <a:lstStyle/>
+          <a:p>
+            <a:pPr algn="ctr"/>
+            <a:r>
+              <a:rPr lang="en-US" dirty="0" smtClean="0"/>
+              <a:t>buffer</a:t>
+            </a:r>
+            <a:endParaRPr lang="en-US" dirty="0"/>
+          </a:p>
+        </p:txBody>
+      </p:sp>
+      <p:sp>
+        <p:nvSpPr>
+          <p:cNvPr id="18" name="圓角矩形 17"/>
+          <p:cNvSpPr/>
+          <p:nvPr/>
+        </p:nvSpPr>
+        <p:spPr>
+          <a:xfrm>
+            <a:off x="3497180" y="3056021"/>
+            <a:ext cx="1106904" cy="393032"/>
+          </a:xfrm>
+          <a:prstGeom prst="roundRect">
+            <a:avLst/>
+          </a:prstGeom>
+        </p:spPr>
+        <p:style>
+          <a:lnRef idx="2">
+            <a:schemeClr val="accent2"/>
+          </a:lnRef>
+          <a:fillRef idx="1">
+            <a:schemeClr val="lt1"/>
+          </a:fillRef>
+          <a:effectRef idx="0">
+            <a:schemeClr val="accent2"/>
+          </a:effectRef>
+          <a:fontRef idx="minor">
+            <a:schemeClr val="dk1"/>
+          </a:fontRef>
+        </p:style>
+        <p:txBody>
+          <a:bodyPr rtlCol="0" anchor="ctr"/>
+          <a:lstStyle/>
+          <a:p>
+            <a:pPr algn="ctr"/>
+            <a:r>
+              <a:rPr lang="en-US" dirty="0" smtClean="0"/>
+              <a:t>statistic</a:t>
+            </a:r>
+            <a:endParaRPr lang="en-US" dirty="0"/>
+          </a:p>
+        </p:txBody>
+      </p:sp>
+      <p:sp>
+        <p:nvSpPr>
+          <p:cNvPr id="19" name="向下箭號 18"/>
+          <p:cNvSpPr/>
+          <p:nvPr/>
+        </p:nvSpPr>
+        <p:spPr>
+          <a:xfrm rot="1307425">
+            <a:off x="4634487" y="737894"/>
+            <a:ext cx="457200" cy="312821"/>
+          </a:xfrm>
+          <a:prstGeom prst="downArrow">
+            <a:avLst/>
+          </a:prstGeom>
+        </p:spPr>
+        <p:style>
+          <a:lnRef idx="2">
+            <a:schemeClr val="accent2"/>
+          </a:lnRef>
+          <a:fillRef idx="1">
+            <a:schemeClr val="lt1"/>
+          </a:fillRef>
+          <a:effectRef idx="0">
+            <a:schemeClr val="accent2"/>
+          </a:effectRef>
+          <a:fontRef idx="minor">
+            <a:schemeClr val="dk1"/>
+          </a:fontRef>
+        </p:style>
+        <p:txBody>
+          <a:bodyPr rtlCol="0" anchor="ctr"/>
+          <a:lstStyle/>
+          <a:p>
+            <a:pPr algn="ctr"/>
+            <a:endParaRPr lang="en-US"/>
+          </a:p>
+        </p:txBody>
+      </p:sp>
+      <p:cxnSp>
+        <p:nvCxnSpPr>
+          <p:cNvPr id="20" name="直線接點 19"/>
+          <p:cNvCxnSpPr/>
+          <p:nvPr/>
+        </p:nvCxnSpPr>
+        <p:spPr>
+          <a:xfrm flipH="1">
+            <a:off x="4948991" y="1347537"/>
+            <a:ext cx="144377" cy="293304"/>
+          </a:xfrm>
+          <a:prstGeom prst="line">
+            <a:avLst/>
+          </a:prstGeom>
+        </p:spPr>
+        <p:style>
+          <a:lnRef idx="1">
+            <a:schemeClr val="accent1"/>
+          </a:lnRef>
+          <a:fillRef idx="0">
+            <a:schemeClr val="accent1"/>
+          </a:fillRef>
+          <a:effectRef idx="0">
+            <a:schemeClr val="accent1"/>
+          </a:effectRef>
+          <a:fontRef idx="minor">
+            <a:schemeClr val="tx1"/>
+          </a:fontRef>
+        </p:style>
+      </p:cxnSp>
+      <p:cxnSp>
+        <p:nvCxnSpPr>
+          <p:cNvPr id="26" name="直線單箭頭接點 25"/>
+          <p:cNvCxnSpPr>
+            <a:endCxn id="17" idx="3"/>
+          </p:cNvCxnSpPr>
+          <p:nvPr/>
+        </p:nvCxnSpPr>
+        <p:spPr>
+          <a:xfrm flipH="1">
+            <a:off x="4740442" y="413084"/>
+            <a:ext cx="2189747" cy="0"/>
+          </a:xfrm>
+          <a:prstGeom prst="straightConnector1">
+            <a:avLst/>
+          </a:prstGeom>
+          <a:ln>
+            <a:tailEnd type="triangle"/>
+          </a:ln>
+        </p:spPr>
+        <p:style>
+          <a:lnRef idx="1">
+            <a:schemeClr val="accent1"/>
+          </a:lnRef>
+          <a:fillRef idx="0">
+            <a:schemeClr val="accent1"/>
+          </a:fillRef>
+          <a:effectRef idx="0">
+            <a:schemeClr val="accent1"/>
+          </a:effectRef>
+          <a:fontRef idx="minor">
+            <a:schemeClr val="tx1"/>
+          </a:fontRef>
+        </p:style>
+      </p:cxnSp>
+      <p:sp>
+        <p:nvSpPr>
+          <p:cNvPr id="30" name="文字方塊 29"/>
+          <p:cNvSpPr txBox="1"/>
+          <p:nvPr/>
+        </p:nvSpPr>
+        <p:spPr>
+          <a:xfrm>
+            <a:off x="5350043" y="136358"/>
+            <a:ext cx="1522917" cy="338554"/>
+          </a:xfrm>
+          <a:prstGeom prst="rect">
+            <a:avLst/>
+          </a:prstGeom>
+          <a:noFill/>
+        </p:spPr>
+        <p:txBody>
+          <a:bodyPr wrap="none" rtlCol="0">
+            <a:spAutoFit/>
+          </a:bodyPr>
+          <a:lstStyle/>
+          <a:p>
+            <a:r>
+              <a:rPr lang="en-US" sz="1600" dirty="0" smtClean="0"/>
+              <a:t>Orders: Amount</a:t>
+            </a:r>
+            <a:endParaRPr lang="en-US" sz="1600" dirty="0"/>
+          </a:p>
+        </p:txBody>
+      </p:sp>
+      <p:cxnSp>
+        <p:nvCxnSpPr>
+          <p:cNvPr id="32" name="直線單箭頭接點 31"/>
+          <p:cNvCxnSpPr/>
+          <p:nvPr/>
+        </p:nvCxnSpPr>
+        <p:spPr>
+          <a:xfrm flipH="1">
+            <a:off x="4106779" y="1532021"/>
+            <a:ext cx="238180" cy="1524000"/>
+          </a:xfrm>
+          <a:prstGeom prst="straightConnector1">
+            <a:avLst/>
+          </a:prstGeom>
+          <a:ln>
+            <a:tailEnd type="triangle"/>
+          </a:ln>
+        </p:spPr>
+        <p:style>
+          <a:lnRef idx="1">
+            <a:schemeClr val="accent1"/>
+          </a:lnRef>
+          <a:fillRef idx="0">
+            <a:schemeClr val="accent1"/>
+          </a:fillRef>
+          <a:effectRef idx="0">
+            <a:schemeClr val="accent1"/>
+          </a:effectRef>
+          <a:fontRef idx="minor">
+            <a:schemeClr val="tx1"/>
+          </a:fontRef>
+        </p:style>
+      </p:cxnSp>
+      <p:cxnSp>
+        <p:nvCxnSpPr>
+          <p:cNvPr id="34" name="直線單箭頭接點 33"/>
+          <p:cNvCxnSpPr/>
+          <p:nvPr/>
+        </p:nvCxnSpPr>
+        <p:spPr>
+          <a:xfrm flipV="1">
+            <a:off x="4194116" y="1560410"/>
+            <a:ext cx="451299" cy="1495611"/>
+          </a:xfrm>
+          <a:prstGeom prst="straightConnector1">
+            <a:avLst/>
+          </a:prstGeom>
+          <a:ln>
+            <a:tailEnd type="triangle"/>
+          </a:ln>
+        </p:spPr>
+        <p:style>
+          <a:lnRef idx="1">
+            <a:schemeClr val="accent1"/>
+          </a:lnRef>
+          <a:fillRef idx="0">
+            <a:schemeClr val="accent1"/>
+          </a:fillRef>
+          <a:effectRef idx="0">
+            <a:schemeClr val="accent1"/>
+          </a:effectRef>
+          <a:fontRef idx="minor">
+            <a:schemeClr val="tx1"/>
+          </a:fontRef>
+        </p:style>
+      </p:cxnSp>
+      <p:cxnSp>
+        <p:nvCxnSpPr>
+          <p:cNvPr id="38" name="直線單箭頭接點 37"/>
+          <p:cNvCxnSpPr/>
+          <p:nvPr/>
+        </p:nvCxnSpPr>
+        <p:spPr>
+          <a:xfrm>
+            <a:off x="4515853" y="609600"/>
+            <a:ext cx="176342" cy="561292"/>
+          </a:xfrm>
+          <a:prstGeom prst="straightConnector1">
+            <a:avLst/>
+          </a:prstGeom>
+          <a:ln>
+            <a:tailEnd type="triangle"/>
+          </a:ln>
+        </p:spPr>
+        <p:style>
+          <a:lnRef idx="1">
+            <a:schemeClr val="accent1"/>
+          </a:lnRef>
+          <a:fillRef idx="0">
+            <a:schemeClr val="accent1"/>
+          </a:fillRef>
+          <a:effectRef idx="0">
+            <a:schemeClr val="accent1"/>
+          </a:effectRef>
+          <a:fontRef idx="minor">
+            <a:schemeClr val="tx1"/>
+          </a:fontRef>
+        </p:style>
+      </p:cxnSp>
+      <p:sp>
+        <p:nvSpPr>
+          <p:cNvPr id="39" name="橢圓 38"/>
+          <p:cNvSpPr/>
+          <p:nvPr/>
+        </p:nvSpPr>
+        <p:spPr>
+          <a:xfrm>
+            <a:off x="4948991" y="639536"/>
+            <a:ext cx="280735" cy="284844"/>
+          </a:xfrm>
+          <a:prstGeom prst="ellipse">
+            <a:avLst/>
+          </a:prstGeom>
+        </p:spPr>
+        <p:style>
+          <a:lnRef idx="2">
+            <a:schemeClr val="accent6">
+              <a:shade val="50000"/>
+            </a:schemeClr>
+          </a:lnRef>
+          <a:fillRef idx="1">
+            <a:schemeClr val="accent6"/>
+          </a:fillRef>
+          <a:effectRef idx="0">
+            <a:schemeClr val="accent6"/>
+          </a:effectRef>
+          <a:fontRef idx="minor">
+            <a:schemeClr val="lt1"/>
+          </a:fontRef>
+        </p:style>
+        <p:txBody>
+          <a:bodyPr rtlCol="0" anchor="ctr"/>
+          <a:lstStyle/>
+          <a:p>
+            <a:pPr algn="ctr"/>
+            <a:r>
+              <a:rPr lang="en-US" dirty="0" smtClean="0"/>
+              <a:t>1</a:t>
+            </a:r>
+            <a:endParaRPr lang="en-US" dirty="0"/>
+          </a:p>
+        </p:txBody>
+      </p:sp>
+    </p:spTree>
+    <p:extLst>
+      <p:ext uri="{BB962C8B-B14F-4D97-AF65-F5344CB8AC3E}">
+        <p14:creationId xmlns:p14="http://schemas.microsoft.com/office/powerpoint/2010/main" val="2005443838"/>
+      </p:ext>
+    </p:extLst>
+  </p:cSld>
+  <p:clrMapOvr>
+    <a:masterClrMapping/>
+  </p:clrMapOvr>
+  <p:timing>
+    <p:tnLst>
+      <p:par>
+        <p:cTn id="1" dur="indefinite" restart="never" nodeType="tmRoot"/>
+      </p:par>
+    </p:tnLst>
+  </p:timing>
+</p:sld>
+</file>
+
+<file path=ppt/slides/slide3.xml><?xml version="1.0" encoding="utf-8"?>
+<p:sld xmlns:a="http://schemas.openxmlformats.org/drawingml/2006/main" xmlns:r="http://schemas.openxmlformats.org/officeDocument/2006/relationships" xmlns:p="http://schemas.openxmlformats.org/presentationml/2006/main">
+  <p:cSld>
+    <p:spTree>
+      <p:nvGrpSpPr>
+        <p:cNvPr id="1" name=""/>
+        <p:cNvGrpSpPr/>
+        <p:nvPr/>
+      </p:nvGrpSpPr>
+      <p:grpSpPr>
+        <a:xfrm>
+          <a:off x="0" y="0"/>
+          <a:ext cx="0" cy="0"/>
+          <a:chOff x="0" y="0"/>
+          <a:chExt cx="0" cy="0"/>
+        </a:xfrm>
+      </p:grpSpPr>
+      <p:sp>
+        <p:nvSpPr>
+          <p:cNvPr id="4" name="圓角矩形 3"/>
+          <p:cNvSpPr/>
+          <p:nvPr/>
+        </p:nvSpPr>
+        <p:spPr>
+          <a:xfrm>
+            <a:off x="2959768" y="1732547"/>
+            <a:ext cx="2687053" cy="601579"/>
+          </a:xfrm>
+          <a:prstGeom prst="roundRect">
+            <a:avLst/>
+          </a:prstGeom>
+        </p:spPr>
+        <p:style>
+          <a:lnRef idx="2">
+            <a:schemeClr val="accent2"/>
+          </a:lnRef>
+          <a:fillRef idx="1">
+            <a:schemeClr val="lt1"/>
+          </a:fillRef>
+          <a:effectRef idx="0">
+            <a:schemeClr val="accent2"/>
+          </a:effectRef>
+          <a:fontRef idx="minor">
+            <a:schemeClr val="dk1"/>
+          </a:fontRef>
+        </p:style>
+        <p:txBody>
+          <a:bodyPr rtlCol="0" anchor="ctr"/>
+          <a:lstStyle/>
+          <a:p>
+            <a:pPr algn="ctr"/>
+            <a:r>
+              <a:rPr lang="en-US" dirty="0" smtClean="0"/>
+              <a:t>buffer</a:t>
+            </a:r>
+            <a:endParaRPr lang="en-US" dirty="0"/>
+          </a:p>
+        </p:txBody>
+      </p:sp>
+      <p:sp>
+        <p:nvSpPr>
+          <p:cNvPr id="5" name="圓角矩形 4"/>
+          <p:cNvSpPr/>
+          <p:nvPr/>
+        </p:nvSpPr>
+        <p:spPr>
+          <a:xfrm>
+            <a:off x="2959768" y="3561347"/>
+            <a:ext cx="2687053" cy="601579"/>
+          </a:xfrm>
+          <a:prstGeom prst="roundRect">
+            <a:avLst/>
+          </a:prstGeom>
+        </p:spPr>
+        <p:style>
+          <a:lnRef idx="2">
+            <a:schemeClr val="accent2"/>
+          </a:lnRef>
+          <a:fillRef idx="1">
+            <a:schemeClr val="lt1"/>
+          </a:fillRef>
+          <a:effectRef idx="0">
+            <a:schemeClr val="accent2"/>
+          </a:effectRef>
+          <a:fontRef idx="minor">
+            <a:schemeClr val="dk1"/>
+          </a:fontRef>
+        </p:style>
+        <p:txBody>
+          <a:bodyPr rtlCol="0" anchor="ctr"/>
+          <a:lstStyle/>
+          <a:p>
+            <a:pPr algn="ctr"/>
+            <a:r>
+              <a:rPr lang="en-US" dirty="0" smtClean="0"/>
+              <a:t>statistic</a:t>
+            </a:r>
+            <a:endParaRPr lang="en-US" dirty="0"/>
+          </a:p>
+        </p:txBody>
+      </p:sp>
+      <p:cxnSp>
+        <p:nvCxnSpPr>
+          <p:cNvPr id="7" name="直線接點 6"/>
+          <p:cNvCxnSpPr/>
+          <p:nvPr/>
+        </p:nvCxnSpPr>
+        <p:spPr>
+          <a:xfrm>
+            <a:off x="1716505" y="2646947"/>
+            <a:ext cx="4732421" cy="0"/>
+          </a:xfrm>
+          <a:prstGeom prst="line">
+            <a:avLst/>
+          </a:prstGeom>
+        </p:spPr>
+        <p:style>
+          <a:lnRef idx="1">
+            <a:schemeClr val="accent1"/>
+          </a:lnRef>
+          <a:fillRef idx="0">
+            <a:schemeClr val="accent1"/>
+          </a:fillRef>
+          <a:effectRef idx="0">
+            <a:schemeClr val="accent1"/>
+          </a:effectRef>
+          <a:fontRef idx="minor">
+            <a:schemeClr val="tx1"/>
+          </a:fontRef>
+        </p:style>
+      </p:cxnSp>
+      <p:cxnSp>
+        <p:nvCxnSpPr>
+          <p:cNvPr id="8" name="直線接點 7"/>
+          <p:cNvCxnSpPr/>
+          <p:nvPr/>
+        </p:nvCxnSpPr>
+        <p:spPr>
+          <a:xfrm>
+            <a:off x="1716505" y="3200399"/>
+            <a:ext cx="4732421" cy="0"/>
+          </a:xfrm>
+          <a:prstGeom prst="line">
+            <a:avLst/>
+          </a:prstGeom>
+        </p:spPr>
+        <p:style>
+          <a:lnRef idx="1">
+            <a:schemeClr val="accent1"/>
+          </a:lnRef>
+          <a:fillRef idx="0">
+            <a:schemeClr val="accent1"/>
+          </a:fillRef>
+          <a:effectRef idx="0">
+            <a:schemeClr val="accent1"/>
+          </a:effectRef>
+          <a:fontRef idx="minor">
+            <a:schemeClr val="tx1"/>
+          </a:fontRef>
+        </p:style>
+      </p:cxnSp>
+      <p:sp>
+        <p:nvSpPr>
+          <p:cNvPr id="9" name="圓角矩形 8"/>
+          <p:cNvSpPr/>
+          <p:nvPr/>
+        </p:nvSpPr>
+        <p:spPr>
+          <a:xfrm>
+            <a:off x="1917032" y="2735179"/>
+            <a:ext cx="545431" cy="368968"/>
+          </a:xfrm>
+          <a:prstGeom prst="roundRect">
+            <a:avLst/>
+          </a:prstGeom>
+        </p:spPr>
+        <p:style>
+          <a:lnRef idx="2">
+            <a:schemeClr val="accent2"/>
+          </a:lnRef>
+          <a:fillRef idx="1">
+            <a:schemeClr val="lt1"/>
+          </a:fillRef>
+          <a:effectRef idx="0">
+            <a:schemeClr val="accent2"/>
+          </a:effectRef>
+          <a:fontRef idx="minor">
+            <a:schemeClr val="dk1"/>
+          </a:fontRef>
+        </p:style>
+        <p:txBody>
+          <a:bodyPr rtlCol="0" anchor="ctr"/>
+          <a:lstStyle/>
+          <a:p>
+            <a:pPr algn="ctr"/>
+            <a:endParaRPr lang="en-US"/>
+          </a:p>
+        </p:txBody>
+      </p:sp>
+      <p:sp>
+        <p:nvSpPr>
+          <p:cNvPr id="10" name="圓角矩形 9"/>
+          <p:cNvSpPr/>
+          <p:nvPr/>
+        </p:nvSpPr>
+        <p:spPr>
+          <a:xfrm>
+            <a:off x="2582780" y="2735179"/>
+            <a:ext cx="545431" cy="368968"/>
+          </a:xfrm>
+          <a:prstGeom prst="roundRect">
+            <a:avLst/>
+          </a:prstGeom>
+        </p:spPr>
+        <p:style>
+          <a:lnRef idx="2">
+            <a:schemeClr val="accent2"/>
+          </a:lnRef>
+          <a:fillRef idx="1">
+            <a:schemeClr val="lt1"/>
+          </a:fillRef>
+          <a:effectRef idx="0">
+            <a:schemeClr val="accent2"/>
+          </a:effectRef>
+          <a:fontRef idx="minor">
+            <a:schemeClr val="dk1"/>
+          </a:fontRef>
+        </p:style>
+        <p:txBody>
+          <a:bodyPr rtlCol="0" anchor="ctr"/>
+          <a:lstStyle/>
+          <a:p>
+            <a:pPr algn="ctr"/>
+            <a:endParaRPr lang="en-US"/>
+          </a:p>
+        </p:txBody>
+      </p:sp>
+      <p:sp>
+        <p:nvSpPr>
+          <p:cNvPr id="11" name="圓角矩形 10"/>
+          <p:cNvSpPr/>
+          <p:nvPr/>
+        </p:nvSpPr>
+        <p:spPr>
+          <a:xfrm>
+            <a:off x="3272591" y="2735179"/>
+            <a:ext cx="545431" cy="368968"/>
+          </a:xfrm>
+          <a:prstGeom prst="roundRect">
+            <a:avLst/>
+          </a:prstGeom>
+        </p:spPr>
+        <p:style>
+          <a:lnRef idx="2">
+            <a:schemeClr val="accent2"/>
+          </a:lnRef>
+          <a:fillRef idx="1">
+            <a:schemeClr val="lt1"/>
+          </a:fillRef>
+          <a:effectRef idx="0">
+            <a:schemeClr val="accent2"/>
+          </a:effectRef>
+          <a:fontRef idx="minor">
+            <a:schemeClr val="dk1"/>
+          </a:fontRef>
+        </p:style>
+        <p:txBody>
+          <a:bodyPr rtlCol="0" anchor="ctr"/>
+          <a:lstStyle/>
+          <a:p>
+            <a:pPr algn="ctr"/>
+            <a:endParaRPr lang="en-US"/>
+          </a:p>
+        </p:txBody>
+      </p:sp>
+      <p:sp>
+        <p:nvSpPr>
+          <p:cNvPr id="12" name="圓角矩形 11"/>
+          <p:cNvSpPr/>
+          <p:nvPr/>
+        </p:nvSpPr>
+        <p:spPr>
+          <a:xfrm>
+            <a:off x="5799223" y="2735179"/>
+            <a:ext cx="545431" cy="368968"/>
+          </a:xfrm>
+          <a:prstGeom prst="roundRect">
+            <a:avLst/>
+          </a:prstGeom>
+        </p:spPr>
+        <p:style>
+          <a:lnRef idx="2">
+            <a:schemeClr val="accent2"/>
+          </a:lnRef>
+          <a:fillRef idx="1">
+            <a:schemeClr val="lt1"/>
+          </a:fillRef>
+          <a:effectRef idx="0">
+            <a:schemeClr val="accent2"/>
+          </a:effectRef>
+          <a:fontRef idx="minor">
+            <a:schemeClr val="dk1"/>
+          </a:fontRef>
+        </p:style>
+        <p:txBody>
+          <a:bodyPr rtlCol="0" anchor="ctr"/>
+          <a:lstStyle/>
+          <a:p>
+            <a:pPr algn="ctr"/>
+            <a:endParaRPr lang="en-US"/>
+          </a:p>
+        </p:txBody>
+      </p:sp>
+      <p:cxnSp>
+        <p:nvCxnSpPr>
+          <p:cNvPr id="17" name="肘形接點 16"/>
+          <p:cNvCxnSpPr>
+            <a:stCxn id="4" idx="3"/>
+            <a:endCxn id="12" idx="3"/>
+          </p:cNvCxnSpPr>
+          <p:nvPr/>
+        </p:nvCxnSpPr>
+        <p:spPr>
+          <a:xfrm>
+            <a:off x="5646821" y="2033337"/>
+            <a:ext cx="697833" cy="886326"/>
+          </a:xfrm>
+          <a:prstGeom prst="bentConnector3">
+            <a:avLst>
+              <a:gd name="adj1" fmla="val 132759"/>
+            </a:avLst>
+          </a:prstGeom>
+          <a:ln>
+            <a:tailEnd type="triangle"/>
+          </a:ln>
+        </p:spPr>
+        <p:style>
+          <a:lnRef idx="1">
+            <a:schemeClr val="accent1"/>
+          </a:lnRef>
+          <a:fillRef idx="0">
+            <a:schemeClr val="accent1"/>
+          </a:fillRef>
+          <a:effectRef idx="0">
+            <a:schemeClr val="accent1"/>
+          </a:effectRef>
+          <a:fontRef idx="minor">
+            <a:schemeClr val="tx1"/>
+          </a:fontRef>
+        </p:style>
+      </p:cxnSp>
+      <p:cxnSp>
+        <p:nvCxnSpPr>
+          <p:cNvPr id="19" name="肘形接點 18"/>
+          <p:cNvCxnSpPr>
+            <a:stCxn id="12" idx="3"/>
+            <a:endCxn id="5" idx="3"/>
+          </p:cNvCxnSpPr>
+          <p:nvPr/>
+        </p:nvCxnSpPr>
+        <p:spPr>
+          <a:xfrm flipH="1">
+            <a:off x="5646821" y="2919663"/>
+            <a:ext cx="697833" cy="942474"/>
+          </a:xfrm>
+          <a:prstGeom prst="bentConnector3">
+            <a:avLst>
+              <a:gd name="adj1" fmla="val -32759"/>
+            </a:avLst>
+          </a:prstGeom>
+          <a:ln>
+            <a:tailEnd type="triangle"/>
+          </a:ln>
+        </p:spPr>
+        <p:style>
+          <a:lnRef idx="1">
+            <a:schemeClr val="accent1"/>
+          </a:lnRef>
+          <a:fillRef idx="0">
+            <a:schemeClr val="accent1"/>
+          </a:fillRef>
+          <a:effectRef idx="0">
+            <a:schemeClr val="accent1"/>
+          </a:effectRef>
+          <a:fontRef idx="minor">
+            <a:schemeClr val="tx1"/>
+          </a:fontRef>
+        </p:style>
+      </p:cxnSp>
+      <p:sp>
+        <p:nvSpPr>
+          <p:cNvPr id="20" name="文字方塊 19"/>
+          <p:cNvSpPr txBox="1"/>
+          <p:nvPr/>
+        </p:nvSpPr>
+        <p:spPr>
+          <a:xfrm>
+            <a:off x="3962400" y="2831432"/>
+            <a:ext cx="1728358" cy="369332"/>
+          </a:xfrm>
+          <a:prstGeom prst="rect">
+            <a:avLst/>
+          </a:prstGeom>
+          <a:noFill/>
+        </p:spPr>
+        <p:txBody>
+          <a:bodyPr wrap="none" rtlCol="0">
+            <a:spAutoFit/>
+          </a:bodyPr>
+          <a:lstStyle/>
+          <a:p>
+            <a:r>
+              <a:rPr lang="en-US" dirty="0" smtClean="0"/>
+              <a:t>………………………..</a:t>
+            </a:r>
+            <a:endParaRPr lang="en-US" dirty="0"/>
+          </a:p>
+        </p:txBody>
+      </p:sp>
+      <p:cxnSp>
+        <p:nvCxnSpPr>
+          <p:cNvPr id="22" name="肘形接點 21"/>
+          <p:cNvCxnSpPr>
+            <a:stCxn id="9" idx="1"/>
+            <a:endCxn id="5" idx="1"/>
+          </p:cNvCxnSpPr>
+          <p:nvPr/>
+        </p:nvCxnSpPr>
+        <p:spPr>
+          <a:xfrm rot="10800000" flipH="1" flipV="1">
+            <a:off x="1917032" y="2919663"/>
+            <a:ext cx="1042736" cy="942474"/>
+          </a:xfrm>
+          <a:prstGeom prst="bentConnector3">
+            <a:avLst>
+              <a:gd name="adj1" fmla="val -32692"/>
+            </a:avLst>
+          </a:prstGeom>
+          <a:ln>
+            <a:tailEnd type="triangle"/>
+          </a:ln>
+        </p:spPr>
+        <p:style>
+          <a:lnRef idx="1">
+            <a:schemeClr val="accent1"/>
+          </a:lnRef>
+          <a:fillRef idx="0">
+            <a:schemeClr val="accent1"/>
+          </a:fillRef>
+          <a:effectRef idx="0">
+            <a:schemeClr val="accent1"/>
+          </a:effectRef>
+          <a:fontRef idx="minor">
+            <a:schemeClr val="tx1"/>
+          </a:fontRef>
+        </p:style>
+      </p:cxnSp>
+      <p:cxnSp>
+        <p:nvCxnSpPr>
+          <p:cNvPr id="25" name="直線單箭頭接點 24"/>
+          <p:cNvCxnSpPr>
+            <a:endCxn id="4" idx="1"/>
+          </p:cNvCxnSpPr>
+          <p:nvPr/>
+        </p:nvCxnSpPr>
+        <p:spPr>
+          <a:xfrm>
+            <a:off x="1403684" y="2033336"/>
+            <a:ext cx="1556084" cy="1"/>
+          </a:xfrm>
+          <a:prstGeom prst="straightConnector1">
+            <a:avLst/>
+          </a:prstGeom>
+          <a:ln>
+            <a:tailEnd type="triangle"/>
+          </a:ln>
+        </p:spPr>
+        <p:style>
+          <a:lnRef idx="1">
+            <a:schemeClr val="accent1"/>
+          </a:lnRef>
+          <a:fillRef idx="0">
+            <a:schemeClr val="accent1"/>
+          </a:fillRef>
+          <a:effectRef idx="0">
+            <a:schemeClr val="accent1"/>
+          </a:effectRef>
+          <a:fontRef idx="minor">
+            <a:schemeClr val="tx1"/>
+          </a:fontRef>
+        </p:style>
+      </p:cxnSp>
+      <p:sp>
+        <p:nvSpPr>
+          <p:cNvPr id="26" name="文字方塊 25"/>
+          <p:cNvSpPr txBox="1"/>
+          <p:nvPr/>
+        </p:nvSpPr>
+        <p:spPr>
+          <a:xfrm>
+            <a:off x="1355553" y="1724527"/>
+            <a:ext cx="817147" cy="369332"/>
+          </a:xfrm>
+          <a:prstGeom prst="rect">
+            <a:avLst/>
+          </a:prstGeom>
+          <a:noFill/>
+        </p:spPr>
+        <p:txBody>
+          <a:bodyPr wrap="none" rtlCol="0">
+            <a:spAutoFit/>
+          </a:bodyPr>
+          <a:lstStyle/>
+          <a:p>
+            <a:r>
+              <a:rPr lang="en-US" dirty="0" smtClean="0"/>
+              <a:t>Orders</a:t>
+            </a:r>
+            <a:endParaRPr lang="en-US" dirty="0"/>
+          </a:p>
+        </p:txBody>
+      </p:sp>
+      <p:sp>
+        <p:nvSpPr>
+          <p:cNvPr id="27" name="橢圓 26"/>
+          <p:cNvSpPr/>
+          <p:nvPr/>
+        </p:nvSpPr>
+        <p:spPr>
+          <a:xfrm>
+            <a:off x="2630906" y="1672389"/>
+            <a:ext cx="264695" cy="280737"/>
+          </a:xfrm>
+          <a:prstGeom prst="ellipse">
+            <a:avLst/>
+          </a:prstGeom>
+        </p:spPr>
+        <p:style>
+          <a:lnRef idx="2">
+            <a:schemeClr val="accent6">
+              <a:shade val="50000"/>
+            </a:schemeClr>
+          </a:lnRef>
+          <a:fillRef idx="1">
+            <a:schemeClr val="accent6"/>
+          </a:fillRef>
+          <a:effectRef idx="0">
+            <a:schemeClr val="accent6"/>
+          </a:effectRef>
+          <a:fontRef idx="minor">
+            <a:schemeClr val="lt1"/>
+          </a:fontRef>
+        </p:style>
+        <p:txBody>
+          <a:bodyPr rtlCol="0" anchor="ctr"/>
+          <a:lstStyle/>
+          <a:p>
+            <a:pPr algn="ctr"/>
+            <a:r>
+              <a:rPr lang="en-US" dirty="0" smtClean="0"/>
+              <a:t>1</a:t>
+            </a:r>
+            <a:endParaRPr lang="en-US" dirty="0"/>
+          </a:p>
+        </p:txBody>
+      </p:sp>
+      <p:sp>
+        <p:nvSpPr>
+          <p:cNvPr id="28" name="橢圓 27"/>
+          <p:cNvSpPr/>
+          <p:nvPr/>
+        </p:nvSpPr>
+        <p:spPr>
+          <a:xfrm>
+            <a:off x="5434262" y="1863071"/>
+            <a:ext cx="264695" cy="280737"/>
+          </a:xfrm>
+          <a:prstGeom prst="ellipse">
+            <a:avLst/>
+          </a:prstGeom>
+        </p:spPr>
+        <p:style>
+          <a:lnRef idx="2">
+            <a:schemeClr val="accent6">
+              <a:shade val="50000"/>
+            </a:schemeClr>
+          </a:lnRef>
+          <a:fillRef idx="1">
+            <a:schemeClr val="accent6"/>
+          </a:fillRef>
+          <a:effectRef idx="0">
+            <a:schemeClr val="accent6"/>
+          </a:effectRef>
+          <a:fontRef idx="minor">
+            <a:schemeClr val="lt1"/>
+          </a:fontRef>
+        </p:style>
+        <p:txBody>
+          <a:bodyPr rtlCol="0" anchor="ctr"/>
+          <a:lstStyle/>
+          <a:p>
+            <a:pPr algn="ctr"/>
+            <a:r>
+              <a:rPr lang="en-US" dirty="0" smtClean="0"/>
+              <a:t>3</a:t>
+            </a:r>
+            <a:endParaRPr lang="en-US" dirty="0"/>
+          </a:p>
+        </p:txBody>
+      </p:sp>
+      <p:sp>
+        <p:nvSpPr>
+          <p:cNvPr id="29" name="橢圓 28"/>
+          <p:cNvSpPr/>
+          <p:nvPr/>
+        </p:nvSpPr>
+        <p:spPr>
+          <a:xfrm>
+            <a:off x="6011778" y="2775283"/>
+            <a:ext cx="264695" cy="280737"/>
+          </a:xfrm>
+          <a:prstGeom prst="ellipse">
+            <a:avLst/>
+          </a:prstGeom>
+        </p:spPr>
+        <p:style>
+          <a:lnRef idx="2">
+            <a:schemeClr val="accent3">
+              <a:shade val="50000"/>
+            </a:schemeClr>
+          </a:lnRef>
+          <a:fillRef idx="1">
+            <a:schemeClr val="accent3"/>
+          </a:fillRef>
+          <a:effectRef idx="0">
+            <a:schemeClr val="accent3"/>
+          </a:effectRef>
+          <a:fontRef idx="minor">
+            <a:schemeClr val="lt1"/>
+          </a:fontRef>
+        </p:style>
+        <p:txBody>
+          <a:bodyPr rtlCol="0" anchor="ctr"/>
+          <a:lstStyle/>
+          <a:p>
+            <a:pPr algn="ctr"/>
+            <a:r>
+              <a:rPr lang="en-US" dirty="0"/>
+              <a:t>1</a:t>
+            </a:r>
+          </a:p>
+        </p:txBody>
+      </p:sp>
+      <p:sp>
+        <p:nvSpPr>
+          <p:cNvPr id="30" name="橢圓 29"/>
+          <p:cNvSpPr/>
+          <p:nvPr/>
+        </p:nvSpPr>
+        <p:spPr>
+          <a:xfrm>
+            <a:off x="5325981" y="3721767"/>
+            <a:ext cx="264695" cy="280737"/>
+          </a:xfrm>
+          <a:prstGeom prst="ellipse">
+            <a:avLst/>
+          </a:prstGeom>
+        </p:spPr>
+        <p:style>
+          <a:lnRef idx="2">
+            <a:schemeClr val="accent3">
+              <a:shade val="50000"/>
+            </a:schemeClr>
+          </a:lnRef>
+          <a:fillRef idx="1">
+            <a:schemeClr val="accent3"/>
+          </a:fillRef>
+          <a:effectRef idx="0">
+            <a:schemeClr val="accent3"/>
+          </a:effectRef>
+          <a:fontRef idx="minor">
+            <a:schemeClr val="lt1"/>
+          </a:fontRef>
+        </p:style>
+        <p:txBody>
+          <a:bodyPr rtlCol="0" anchor="ctr"/>
+          <a:lstStyle/>
+          <a:p>
+            <a:pPr algn="ctr"/>
+            <a:r>
+              <a:rPr lang="en-US" dirty="0" smtClean="0"/>
+              <a:t>2</a:t>
+            </a:r>
+            <a:endParaRPr lang="en-US" dirty="0"/>
+          </a:p>
+        </p:txBody>
+      </p:sp>
+      <p:sp>
+        <p:nvSpPr>
+          <p:cNvPr id="31" name="橢圓 30"/>
+          <p:cNvSpPr/>
+          <p:nvPr/>
+        </p:nvSpPr>
+        <p:spPr>
+          <a:xfrm>
+            <a:off x="3027946" y="3721767"/>
+            <a:ext cx="264695" cy="280737"/>
+          </a:xfrm>
+          <a:prstGeom prst="ellipse">
+            <a:avLst/>
+          </a:prstGeom>
+        </p:spPr>
+        <p:style>
+          <a:lnRef idx="2">
+            <a:schemeClr val="accent3">
+              <a:shade val="50000"/>
+            </a:schemeClr>
+          </a:lnRef>
+          <a:fillRef idx="1">
+            <a:schemeClr val="accent3"/>
+          </a:fillRef>
+          <a:effectRef idx="0">
+            <a:schemeClr val="accent3"/>
+          </a:effectRef>
+          <a:fontRef idx="minor">
+            <a:schemeClr val="lt1"/>
+          </a:fontRef>
+        </p:style>
+        <p:txBody>
+          <a:bodyPr rtlCol="0" anchor="ctr"/>
+          <a:lstStyle/>
+          <a:p>
+            <a:pPr algn="ctr"/>
+            <a:r>
+              <a:rPr lang="en-US" dirty="0" smtClean="0"/>
+              <a:t>3</a:t>
+            </a:r>
+            <a:endParaRPr lang="en-US" dirty="0"/>
+          </a:p>
+        </p:txBody>
+      </p:sp>
+      <p:sp>
+        <p:nvSpPr>
+          <p:cNvPr id="33" name="文字方塊 32"/>
+          <p:cNvSpPr txBox="1"/>
+          <p:nvPr/>
+        </p:nvSpPr>
+        <p:spPr>
+          <a:xfrm>
+            <a:off x="2690765" y="1976827"/>
+            <a:ext cx="300082" cy="369332"/>
+          </a:xfrm>
+          <a:prstGeom prst="rect">
+            <a:avLst/>
+          </a:prstGeom>
+          <a:noFill/>
+        </p:spPr>
+        <p:txBody>
+          <a:bodyPr wrap="none" rtlCol="0">
+            <a:spAutoFit/>
+          </a:bodyPr>
+          <a:lstStyle/>
+          <a:p>
+            <a:r>
+              <a:rPr lang="en-US" dirty="0" smtClean="0"/>
+              <a:t>+</a:t>
+            </a:r>
+            <a:endParaRPr lang="en-US" dirty="0"/>
+          </a:p>
+        </p:txBody>
+      </p:sp>
+      <p:sp>
+        <p:nvSpPr>
+          <p:cNvPr id="34" name="文字方塊 33"/>
+          <p:cNvSpPr txBox="1"/>
+          <p:nvPr/>
+        </p:nvSpPr>
+        <p:spPr>
+          <a:xfrm>
+            <a:off x="5586666" y="3773541"/>
+            <a:ext cx="300082" cy="369332"/>
+          </a:xfrm>
+          <a:prstGeom prst="rect">
+            <a:avLst/>
+          </a:prstGeom>
+          <a:noFill/>
+        </p:spPr>
+        <p:txBody>
+          <a:bodyPr wrap="none" rtlCol="0">
+            <a:spAutoFit/>
+          </a:bodyPr>
+          <a:lstStyle/>
+          <a:p>
+            <a:r>
+              <a:rPr lang="en-US" dirty="0" smtClean="0"/>
+              <a:t>+</a:t>
+            </a:r>
+            <a:endParaRPr lang="en-US" dirty="0"/>
+          </a:p>
+        </p:txBody>
+      </p:sp>
+      <p:sp>
+        <p:nvSpPr>
+          <p:cNvPr id="35" name="文字方塊 34"/>
+          <p:cNvSpPr txBox="1"/>
+          <p:nvPr/>
+        </p:nvSpPr>
+        <p:spPr>
+          <a:xfrm>
+            <a:off x="2699792" y="3789583"/>
+            <a:ext cx="255198" cy="369332"/>
+          </a:xfrm>
+          <a:prstGeom prst="rect">
+            <a:avLst/>
+          </a:prstGeom>
+          <a:noFill/>
+        </p:spPr>
+        <p:txBody>
+          <a:bodyPr wrap="none" rtlCol="0">
+            <a:spAutoFit/>
+          </a:bodyPr>
+          <a:lstStyle/>
+          <a:p>
+            <a:r>
+              <a:rPr lang="en-US" dirty="0" smtClean="0"/>
+              <a:t>-</a:t>
+            </a:r>
+            <a:endParaRPr lang="en-US" dirty="0"/>
+          </a:p>
+        </p:txBody>
+      </p:sp>
+      <p:sp>
+        <p:nvSpPr>
+          <p:cNvPr id="36" name="文字方塊 35"/>
+          <p:cNvSpPr txBox="1"/>
+          <p:nvPr/>
+        </p:nvSpPr>
+        <p:spPr>
+          <a:xfrm>
+            <a:off x="5576287" y="3080086"/>
+            <a:ext cx="1018227" cy="369332"/>
+          </a:xfrm>
+          <a:prstGeom prst="rect">
+            <a:avLst/>
+          </a:prstGeom>
+          <a:noFill/>
+        </p:spPr>
+        <p:txBody>
+          <a:bodyPr wrap="none" rtlCol="0">
+            <a:spAutoFit/>
+          </a:bodyPr>
+          <a:lstStyle/>
+          <a:p>
+            <a:r>
+              <a:rPr lang="en-US" dirty="0" err="1" smtClean="0"/>
+              <a:t>enqueue</a:t>
+            </a:r>
+            <a:endParaRPr lang="en-US" dirty="0"/>
+          </a:p>
+        </p:txBody>
+      </p:sp>
+      <p:sp>
+        <p:nvSpPr>
+          <p:cNvPr id="37" name="文字方塊 36"/>
+          <p:cNvSpPr txBox="1"/>
+          <p:nvPr/>
+        </p:nvSpPr>
+        <p:spPr>
+          <a:xfrm>
+            <a:off x="1604208" y="3080086"/>
+            <a:ext cx="1018227" cy="369332"/>
+          </a:xfrm>
+          <a:prstGeom prst="rect">
+            <a:avLst/>
+          </a:prstGeom>
+          <a:noFill/>
+        </p:spPr>
+        <p:txBody>
+          <a:bodyPr wrap="none" rtlCol="0">
+            <a:spAutoFit/>
+          </a:bodyPr>
+          <a:lstStyle/>
+          <a:p>
+            <a:r>
+              <a:rPr lang="en-US" dirty="0" err="1" smtClean="0"/>
+              <a:t>dequeue</a:t>
+            </a:r>
+            <a:endParaRPr lang="en-US" dirty="0"/>
+          </a:p>
+        </p:txBody>
+      </p:sp>
+      <p:sp>
+        <p:nvSpPr>
+          <p:cNvPr id="38" name="文字方塊 37"/>
+          <p:cNvSpPr txBox="1"/>
+          <p:nvPr/>
+        </p:nvSpPr>
+        <p:spPr>
+          <a:xfrm>
+            <a:off x="5646821" y="1708485"/>
+            <a:ext cx="1151918" cy="369332"/>
+          </a:xfrm>
+          <a:prstGeom prst="rect">
+            <a:avLst/>
+          </a:prstGeom>
+          <a:noFill/>
+        </p:spPr>
+        <p:txBody>
+          <a:bodyPr wrap="none" rtlCol="0">
+            <a:spAutoFit/>
+          </a:bodyPr>
+          <a:lstStyle/>
+          <a:p>
+            <a:r>
+              <a:rPr lang="en-US" dirty="0" smtClean="0"/>
+              <a:t>get / reset</a:t>
+            </a:r>
+            <a:endParaRPr lang="en-US" dirty="0"/>
+          </a:p>
+        </p:txBody>
+      </p:sp>
+    </p:spTree>
+    <p:extLst>
+      <p:ext uri="{BB962C8B-B14F-4D97-AF65-F5344CB8AC3E}">
+        <p14:creationId xmlns:p14="http://schemas.microsoft.com/office/powerpoint/2010/main" val="1268687949"/>
+      </p:ext>
+    </p:extLst>
+  </p:cSld>
+  <p:clrMapOvr>
+    <a:masterClrMapping/>
+  </p:clrMapOvr>
+  <p:timing>
+    <p:tnLst>
+      <p:par>
+        <p:cTn id="1" dur="indefinite" restart="never" nodeType="tmRoot"/>
+      </p:par>
+    </p:tnLst>
+  </p:timing>
+</p:sld>
+</file>
+
 <file path=ppt/theme/theme1.xml><?xml version="1.0" encoding="utf-8"?>
 <a:theme xmlns:a="http://schemas.openxmlformats.org/drawingml/2006/main" name="Office 佈景主題">
   <a:themeElements>

--- a/wp-content/uploads/2018/04/簡報1.pptx
+++ b/wp-content/uploads/2018/04/簡報1.pptx
@@ -8,6 +8,11 @@
     <p:sldId id="256" r:id="rId2"/>
     <p:sldId id="257" r:id="rId3"/>
     <p:sldId id="258" r:id="rId4"/>
+    <p:sldId id="259" r:id="rId5"/>
+    <p:sldId id="262" r:id="rId6"/>
+    <p:sldId id="263" r:id="rId7"/>
+    <p:sldId id="260" r:id="rId8"/>
+    <p:sldId id="261" r:id="rId9"/>
   </p:sldIdLst>
   <p:sldSz cx="12192000" cy="6858000"/>
   <p:notesSz cx="6858000" cy="9144000"/>
@@ -245,7 +250,7 @@
           <a:p>
             <a:fld id="{A38BE214-E5CD-4137-BADA-42A671FA6D40}" type="datetimeFigureOut">
               <a:rPr lang="en-US" smtClean="0"/>
-              <a:t>2018-04-04</a:t>
+              <a:t>4/27/2018</a:t>
             </a:fld>
             <a:endParaRPr lang="en-US"/>
           </a:p>
@@ -415,7 +420,7 @@
           <a:p>
             <a:fld id="{A38BE214-E5CD-4137-BADA-42A671FA6D40}" type="datetimeFigureOut">
               <a:rPr lang="en-US" smtClean="0"/>
-              <a:t>2018-04-04</a:t>
+              <a:t>4/27/2018</a:t>
             </a:fld>
             <a:endParaRPr lang="en-US"/>
           </a:p>
@@ -595,7 +600,7 @@
           <a:p>
             <a:fld id="{A38BE214-E5CD-4137-BADA-42A671FA6D40}" type="datetimeFigureOut">
               <a:rPr lang="en-US" smtClean="0"/>
-              <a:t>2018-04-04</a:t>
+              <a:t>4/27/2018</a:t>
             </a:fld>
             <a:endParaRPr lang="en-US"/>
           </a:p>
@@ -765,7 +770,7 @@
           <a:p>
             <a:fld id="{A38BE214-E5CD-4137-BADA-42A671FA6D40}" type="datetimeFigureOut">
               <a:rPr lang="en-US" smtClean="0"/>
-              <a:t>2018-04-04</a:t>
+              <a:t>4/27/2018</a:t>
             </a:fld>
             <a:endParaRPr lang="en-US"/>
           </a:p>
@@ -1011,7 +1016,7 @@
           <a:p>
             <a:fld id="{A38BE214-E5CD-4137-BADA-42A671FA6D40}" type="datetimeFigureOut">
               <a:rPr lang="en-US" smtClean="0"/>
-              <a:t>2018-04-04</a:t>
+              <a:t>4/27/2018</a:t>
             </a:fld>
             <a:endParaRPr lang="en-US"/>
           </a:p>
@@ -1243,7 +1248,7 @@
           <a:p>
             <a:fld id="{A38BE214-E5CD-4137-BADA-42A671FA6D40}" type="datetimeFigureOut">
               <a:rPr lang="en-US" smtClean="0"/>
-              <a:t>2018-04-04</a:t>
+              <a:t>4/27/2018</a:t>
             </a:fld>
             <a:endParaRPr lang="en-US"/>
           </a:p>
@@ -1610,7 +1615,7 @@
           <a:p>
             <a:fld id="{A38BE214-E5CD-4137-BADA-42A671FA6D40}" type="datetimeFigureOut">
               <a:rPr lang="en-US" smtClean="0"/>
-              <a:t>2018-04-04</a:t>
+              <a:t>4/27/2018</a:t>
             </a:fld>
             <a:endParaRPr lang="en-US"/>
           </a:p>
@@ -1728,7 +1733,7 @@
           <a:p>
             <a:fld id="{A38BE214-E5CD-4137-BADA-42A671FA6D40}" type="datetimeFigureOut">
               <a:rPr lang="en-US" smtClean="0"/>
-              <a:t>2018-04-04</a:t>
+              <a:t>4/27/2018</a:t>
             </a:fld>
             <a:endParaRPr lang="en-US"/>
           </a:p>
@@ -1823,7 +1828,7 @@
           <a:p>
             <a:fld id="{A38BE214-E5CD-4137-BADA-42A671FA6D40}" type="datetimeFigureOut">
               <a:rPr lang="en-US" smtClean="0"/>
-              <a:t>2018-04-04</a:t>
+              <a:t>4/27/2018</a:t>
             </a:fld>
             <a:endParaRPr lang="en-US"/>
           </a:p>
@@ -2100,7 +2105,7 @@
           <a:p>
             <a:fld id="{A38BE214-E5CD-4137-BADA-42A671FA6D40}" type="datetimeFigureOut">
               <a:rPr lang="en-US" smtClean="0"/>
-              <a:t>2018-04-04</a:t>
+              <a:t>4/27/2018</a:t>
             </a:fld>
             <a:endParaRPr lang="en-US"/>
           </a:p>
@@ -2353,7 +2358,7 @@
           <a:p>
             <a:fld id="{A38BE214-E5CD-4137-BADA-42A671FA6D40}" type="datetimeFigureOut">
               <a:rPr lang="en-US" smtClean="0"/>
-              <a:t>2018-04-04</a:t>
+              <a:t>4/27/2018</a:t>
             </a:fld>
             <a:endParaRPr lang="en-US"/>
           </a:p>
@@ -2566,7 +2571,7 @@
           <a:p>
             <a:fld id="{A38BE214-E5CD-4137-BADA-42A671FA6D40}" type="datetimeFigureOut">
               <a:rPr lang="en-US" smtClean="0"/>
-              <a:t>2018-04-04</a:t>
+              <a:t>4/27/2018</a:t>
             </a:fld>
             <a:endParaRPr lang="en-US"/>
           </a:p>
@@ -4937,6 +4942,1518 @@
 </p:sld>
 </file>
 
+<file path=ppt/slides/slide4.xml><?xml version="1.0" encoding="utf-8"?>
+<p:sld xmlns:a="http://schemas.openxmlformats.org/drawingml/2006/main" xmlns:r="http://schemas.openxmlformats.org/officeDocument/2006/relationships" xmlns:p="http://schemas.openxmlformats.org/presentationml/2006/main">
+  <p:cSld>
+    <p:spTree>
+      <p:nvGrpSpPr>
+        <p:cNvPr id="1" name=""/>
+        <p:cNvGrpSpPr/>
+        <p:nvPr/>
+      </p:nvGrpSpPr>
+      <p:grpSpPr>
+        <a:xfrm>
+          <a:off x="0" y="0"/>
+          <a:ext cx="0" cy="0"/>
+          <a:chOff x="0" y="0"/>
+          <a:chExt cx="0" cy="0"/>
+        </a:xfrm>
+      </p:grpSpPr>
+    </p:spTree>
+    <p:extLst>
+      <p:ext uri="{BB962C8B-B14F-4D97-AF65-F5344CB8AC3E}">
+        <p14:creationId xmlns:p14="http://schemas.microsoft.com/office/powerpoint/2010/main" val="206376447"/>
+      </p:ext>
+    </p:extLst>
+  </p:cSld>
+  <p:clrMapOvr>
+    <a:masterClrMapping/>
+  </p:clrMapOvr>
+  <p:timing>
+    <p:tnLst>
+      <p:par>
+        <p:cTn id="1" dur="indefinite" restart="never" nodeType="tmRoot"/>
+      </p:par>
+    </p:tnLst>
+  </p:timing>
+</p:sld>
+</file>
+
+<file path=ppt/slides/slide5.xml><?xml version="1.0" encoding="utf-8"?>
+<p:sld xmlns:a="http://schemas.openxmlformats.org/drawingml/2006/main" xmlns:r="http://schemas.openxmlformats.org/officeDocument/2006/relationships" xmlns:p="http://schemas.openxmlformats.org/presentationml/2006/main">
+  <p:cSld>
+    <p:spTree>
+      <p:nvGrpSpPr>
+        <p:cNvPr id="1" name=""/>
+        <p:cNvGrpSpPr/>
+        <p:nvPr/>
+      </p:nvGrpSpPr>
+      <p:grpSpPr>
+        <a:xfrm>
+          <a:off x="0" y="0"/>
+          <a:ext cx="0" cy="0"/>
+          <a:chOff x="0" y="0"/>
+          <a:chExt cx="0" cy="0"/>
+        </a:xfrm>
+      </p:grpSpPr>
+      <p:sp>
+        <p:nvSpPr>
+          <p:cNvPr id="4" name="圓角矩形 3"/>
+          <p:cNvSpPr/>
+          <p:nvPr/>
+        </p:nvSpPr>
+        <p:spPr>
+          <a:xfrm>
+            <a:off x="1172156" y="749030"/>
+            <a:ext cx="7023371" cy="4114800"/>
+          </a:xfrm>
+          <a:prstGeom prst="roundRect">
+            <a:avLst>
+              <a:gd name="adj" fmla="val 11702"/>
+            </a:avLst>
+          </a:prstGeom>
+          <a:ln>
+            <a:prstDash val="dash"/>
+          </a:ln>
+        </p:spPr>
+        <p:style>
+          <a:lnRef idx="2">
+            <a:schemeClr val="accent1"/>
+          </a:lnRef>
+          <a:fillRef idx="1">
+            <a:schemeClr val="lt1"/>
+          </a:fillRef>
+          <a:effectRef idx="0">
+            <a:schemeClr val="accent1"/>
+          </a:effectRef>
+          <a:fontRef idx="minor">
+            <a:schemeClr val="dk1"/>
+          </a:fontRef>
+        </p:style>
+        <p:txBody>
+          <a:bodyPr rtlCol="0" anchor="ctr"/>
+          <a:lstStyle/>
+          <a:p>
+            <a:pPr algn="ctr"/>
+            <a:endParaRPr lang="zh-TW" altLang="en-US"/>
+          </a:p>
+        </p:txBody>
+      </p:sp>
+      <p:sp>
+        <p:nvSpPr>
+          <p:cNvPr id="5" name="文字方塊 4"/>
+          <p:cNvSpPr txBox="1"/>
+          <p:nvPr/>
+        </p:nvSpPr>
+        <p:spPr>
+          <a:xfrm>
+            <a:off x="1410509" y="4445540"/>
+            <a:ext cx="2033057" cy="369332"/>
+          </a:xfrm>
+          <a:prstGeom prst="rect">
+            <a:avLst/>
+          </a:prstGeom>
+          <a:noFill/>
+        </p:spPr>
+        <p:txBody>
+          <a:bodyPr wrap="none" rtlCol="0">
+            <a:spAutoFit/>
+          </a:bodyPr>
+          <a:lstStyle/>
+          <a:p>
+            <a:r>
+              <a:rPr lang="en-US" altLang="zh-TW" dirty="0" smtClean="0"/>
+              <a:t>Windows Container</a:t>
+            </a:r>
+            <a:endParaRPr lang="zh-TW" altLang="en-US" dirty="0"/>
+          </a:p>
+        </p:txBody>
+      </p:sp>
+      <p:sp>
+        <p:nvSpPr>
+          <p:cNvPr id="6" name="圓角矩形 5"/>
+          <p:cNvSpPr/>
+          <p:nvPr/>
+        </p:nvSpPr>
+        <p:spPr>
+          <a:xfrm>
+            <a:off x="1682884" y="982494"/>
+            <a:ext cx="6215922" cy="505838"/>
+          </a:xfrm>
+          <a:prstGeom prst="roundRect">
+            <a:avLst/>
+          </a:prstGeom>
+        </p:spPr>
+        <p:style>
+          <a:lnRef idx="2">
+            <a:schemeClr val="accent2"/>
+          </a:lnRef>
+          <a:fillRef idx="1">
+            <a:schemeClr val="lt1"/>
+          </a:fillRef>
+          <a:effectRef idx="0">
+            <a:schemeClr val="accent2"/>
+          </a:effectRef>
+          <a:fontRef idx="minor">
+            <a:schemeClr val="dk1"/>
+          </a:fontRef>
+        </p:style>
+        <p:txBody>
+          <a:bodyPr rtlCol="0" anchor="ctr"/>
+          <a:lstStyle/>
+          <a:p>
+            <a:pPr algn="ctr"/>
+            <a:r>
+              <a:rPr lang="en-US" altLang="zh-TW" dirty="0" smtClean="0"/>
+              <a:t>IP2C.ReverseProxy</a:t>
+            </a:r>
+            <a:endParaRPr lang="zh-TW" altLang="en-US" dirty="0"/>
+          </a:p>
+        </p:txBody>
+      </p:sp>
+      <p:sp>
+        <p:nvSpPr>
+          <p:cNvPr id="7" name="橢圓 6"/>
+          <p:cNvSpPr/>
+          <p:nvPr/>
+        </p:nvSpPr>
+        <p:spPr>
+          <a:xfrm>
+            <a:off x="685798" y="1113816"/>
+            <a:ext cx="252921" cy="243193"/>
+          </a:xfrm>
+          <a:prstGeom prst="ellipse">
+            <a:avLst/>
+          </a:prstGeom>
+        </p:spPr>
+        <p:style>
+          <a:lnRef idx="2">
+            <a:schemeClr val="accent1"/>
+          </a:lnRef>
+          <a:fillRef idx="1">
+            <a:schemeClr val="lt1"/>
+          </a:fillRef>
+          <a:effectRef idx="0">
+            <a:schemeClr val="accent1"/>
+          </a:effectRef>
+          <a:fontRef idx="minor">
+            <a:schemeClr val="dk1"/>
+          </a:fontRef>
+        </p:style>
+        <p:txBody>
+          <a:bodyPr rtlCol="0" anchor="ctr"/>
+          <a:lstStyle/>
+          <a:p>
+            <a:pPr algn="ctr"/>
+            <a:endParaRPr lang="zh-TW" altLang="en-US"/>
+          </a:p>
+        </p:txBody>
+      </p:sp>
+      <p:cxnSp>
+        <p:nvCxnSpPr>
+          <p:cNvPr id="9" name="直線接點 8"/>
+          <p:cNvCxnSpPr>
+            <a:stCxn id="7" idx="6"/>
+            <a:endCxn id="6" idx="1"/>
+          </p:cNvCxnSpPr>
+          <p:nvPr/>
+        </p:nvCxnSpPr>
+        <p:spPr>
+          <a:xfrm>
+            <a:off x="938719" y="1235413"/>
+            <a:ext cx="744165" cy="0"/>
+          </a:xfrm>
+          <a:prstGeom prst="line">
+            <a:avLst/>
+          </a:prstGeom>
+        </p:spPr>
+        <p:style>
+          <a:lnRef idx="1">
+            <a:schemeClr val="accent1"/>
+          </a:lnRef>
+          <a:fillRef idx="0">
+            <a:schemeClr val="accent1"/>
+          </a:fillRef>
+          <a:effectRef idx="0">
+            <a:schemeClr val="accent1"/>
+          </a:effectRef>
+          <a:fontRef idx="minor">
+            <a:schemeClr val="tx1"/>
+          </a:fontRef>
+        </p:style>
+      </p:cxnSp>
+      <p:sp>
+        <p:nvSpPr>
+          <p:cNvPr id="10" name="圓角矩形 9"/>
+          <p:cNvSpPr/>
+          <p:nvPr/>
+        </p:nvSpPr>
+        <p:spPr>
+          <a:xfrm>
+            <a:off x="1682884" y="1682887"/>
+            <a:ext cx="2023354" cy="982493"/>
+          </a:xfrm>
+          <a:prstGeom prst="roundRect">
+            <a:avLst/>
+          </a:prstGeom>
+        </p:spPr>
+        <p:style>
+          <a:lnRef idx="2">
+            <a:schemeClr val="accent2"/>
+          </a:lnRef>
+          <a:fillRef idx="1">
+            <a:schemeClr val="lt1"/>
+          </a:fillRef>
+          <a:effectRef idx="0">
+            <a:schemeClr val="accent2"/>
+          </a:effectRef>
+          <a:fontRef idx="minor">
+            <a:schemeClr val="dk1"/>
+          </a:fontRef>
+        </p:style>
+        <p:txBody>
+          <a:bodyPr rtlCol="0" anchor="ctr"/>
+          <a:lstStyle/>
+          <a:p>
+            <a:pPr algn="ctr"/>
+            <a:r>
+              <a:rPr lang="en-US" altLang="zh-TW" dirty="0" smtClean="0"/>
+              <a:t>IP2C.WebAPI</a:t>
+            </a:r>
+            <a:endParaRPr lang="zh-TW" altLang="en-US" dirty="0"/>
+          </a:p>
+        </p:txBody>
+      </p:sp>
+      <p:sp>
+        <p:nvSpPr>
+          <p:cNvPr id="11" name="圓角矩形 10"/>
+          <p:cNvSpPr/>
+          <p:nvPr/>
+        </p:nvSpPr>
+        <p:spPr>
+          <a:xfrm>
+            <a:off x="3779168" y="1682887"/>
+            <a:ext cx="2023354" cy="982493"/>
+          </a:xfrm>
+          <a:prstGeom prst="roundRect">
+            <a:avLst/>
+          </a:prstGeom>
+        </p:spPr>
+        <p:style>
+          <a:lnRef idx="2">
+            <a:schemeClr val="accent2"/>
+          </a:lnRef>
+          <a:fillRef idx="1">
+            <a:schemeClr val="lt1"/>
+          </a:fillRef>
+          <a:effectRef idx="0">
+            <a:schemeClr val="accent2"/>
+          </a:effectRef>
+          <a:fontRef idx="minor">
+            <a:schemeClr val="dk1"/>
+          </a:fontRef>
+        </p:style>
+        <p:txBody>
+          <a:bodyPr rtlCol="0" anchor="ctr"/>
+          <a:lstStyle/>
+          <a:p>
+            <a:pPr algn="ctr"/>
+            <a:r>
+              <a:rPr lang="en-US" altLang="zh-TW" dirty="0" smtClean="0"/>
+              <a:t>IP2C.WebAPI</a:t>
+            </a:r>
+            <a:endParaRPr lang="zh-TW" altLang="en-US" dirty="0"/>
+          </a:p>
+        </p:txBody>
+      </p:sp>
+      <p:sp>
+        <p:nvSpPr>
+          <p:cNvPr id="16" name="圓角矩形 15"/>
+          <p:cNvSpPr/>
+          <p:nvPr/>
+        </p:nvSpPr>
+        <p:spPr>
+          <a:xfrm>
+            <a:off x="5875452" y="1682887"/>
+            <a:ext cx="2023354" cy="982493"/>
+          </a:xfrm>
+          <a:prstGeom prst="roundRect">
+            <a:avLst/>
+          </a:prstGeom>
+        </p:spPr>
+        <p:style>
+          <a:lnRef idx="2">
+            <a:schemeClr val="accent2"/>
+          </a:lnRef>
+          <a:fillRef idx="1">
+            <a:schemeClr val="lt1"/>
+          </a:fillRef>
+          <a:effectRef idx="0">
+            <a:schemeClr val="accent2"/>
+          </a:effectRef>
+          <a:fontRef idx="minor">
+            <a:schemeClr val="dk1"/>
+          </a:fontRef>
+        </p:style>
+        <p:txBody>
+          <a:bodyPr rtlCol="0" anchor="ctr"/>
+          <a:lstStyle/>
+          <a:p>
+            <a:pPr algn="ctr"/>
+            <a:r>
+              <a:rPr lang="en-US" altLang="zh-TW" dirty="0" smtClean="0"/>
+              <a:t>IP2C.Worker</a:t>
+            </a:r>
+            <a:endParaRPr lang="zh-TW" altLang="en-US" dirty="0"/>
+          </a:p>
+        </p:txBody>
+      </p:sp>
+      <p:sp>
+        <p:nvSpPr>
+          <p:cNvPr id="17" name="圓角矩形 16"/>
+          <p:cNvSpPr/>
+          <p:nvPr/>
+        </p:nvSpPr>
+        <p:spPr>
+          <a:xfrm>
+            <a:off x="1682884" y="2869661"/>
+            <a:ext cx="6215922" cy="612843"/>
+          </a:xfrm>
+          <a:prstGeom prst="roundRect">
+            <a:avLst/>
+          </a:prstGeom>
+        </p:spPr>
+        <p:style>
+          <a:lnRef idx="2">
+            <a:schemeClr val="accent2"/>
+          </a:lnRef>
+          <a:fillRef idx="1">
+            <a:schemeClr val="lt1"/>
+          </a:fillRef>
+          <a:effectRef idx="0">
+            <a:schemeClr val="accent2"/>
+          </a:effectRef>
+          <a:fontRef idx="minor">
+            <a:schemeClr val="dk1"/>
+          </a:fontRef>
+        </p:style>
+        <p:txBody>
+          <a:bodyPr rtlCol="0" anchor="ctr"/>
+          <a:lstStyle/>
+          <a:p>
+            <a:pPr algn="ctr"/>
+            <a:r>
+              <a:rPr lang="en-US" altLang="zh-TW" dirty="0" smtClean="0"/>
+              <a:t>Volume: IP2C_data</a:t>
+            </a:r>
+            <a:endParaRPr lang="zh-TW" altLang="en-US" dirty="0"/>
+          </a:p>
+        </p:txBody>
+      </p:sp>
+      <p:cxnSp>
+        <p:nvCxnSpPr>
+          <p:cNvPr id="28" name="直線單箭頭接點 27"/>
+          <p:cNvCxnSpPr>
+            <a:endCxn id="10" idx="0"/>
+          </p:cNvCxnSpPr>
+          <p:nvPr/>
+        </p:nvCxnSpPr>
+        <p:spPr>
+          <a:xfrm flipH="1">
+            <a:off x="2694561" y="1488332"/>
+            <a:ext cx="1" cy="194555"/>
+          </a:xfrm>
+          <a:prstGeom prst="straightConnector1">
+            <a:avLst/>
+          </a:prstGeom>
+          <a:ln>
+            <a:tailEnd type="triangle"/>
+          </a:ln>
+        </p:spPr>
+        <p:style>
+          <a:lnRef idx="1">
+            <a:schemeClr val="accent1"/>
+          </a:lnRef>
+          <a:fillRef idx="0">
+            <a:schemeClr val="accent1"/>
+          </a:fillRef>
+          <a:effectRef idx="0">
+            <a:schemeClr val="accent1"/>
+          </a:effectRef>
+          <a:fontRef idx="minor">
+            <a:schemeClr val="tx1"/>
+          </a:fontRef>
+        </p:style>
+      </p:cxnSp>
+      <p:cxnSp>
+        <p:nvCxnSpPr>
+          <p:cNvPr id="29" name="直線單箭頭接點 28"/>
+          <p:cNvCxnSpPr/>
+          <p:nvPr/>
+        </p:nvCxnSpPr>
+        <p:spPr>
+          <a:xfrm flipH="1">
+            <a:off x="4790845" y="1488332"/>
+            <a:ext cx="1" cy="194555"/>
+          </a:xfrm>
+          <a:prstGeom prst="straightConnector1">
+            <a:avLst/>
+          </a:prstGeom>
+          <a:ln>
+            <a:tailEnd type="triangle"/>
+          </a:ln>
+        </p:spPr>
+        <p:style>
+          <a:lnRef idx="1">
+            <a:schemeClr val="accent1"/>
+          </a:lnRef>
+          <a:fillRef idx="0">
+            <a:schemeClr val="accent1"/>
+          </a:fillRef>
+          <a:effectRef idx="0">
+            <a:schemeClr val="accent1"/>
+          </a:effectRef>
+          <a:fontRef idx="minor">
+            <a:schemeClr val="tx1"/>
+          </a:fontRef>
+        </p:style>
+      </p:cxnSp>
+      <p:cxnSp>
+        <p:nvCxnSpPr>
+          <p:cNvPr id="30" name="直線單箭頭接點 29"/>
+          <p:cNvCxnSpPr/>
+          <p:nvPr/>
+        </p:nvCxnSpPr>
+        <p:spPr>
+          <a:xfrm flipH="1">
+            <a:off x="6887129" y="2655653"/>
+            <a:ext cx="1" cy="194555"/>
+          </a:xfrm>
+          <a:prstGeom prst="straightConnector1">
+            <a:avLst/>
+          </a:prstGeom>
+          <a:ln>
+            <a:tailEnd type="triangle"/>
+          </a:ln>
+        </p:spPr>
+        <p:style>
+          <a:lnRef idx="1">
+            <a:schemeClr val="accent1"/>
+          </a:lnRef>
+          <a:fillRef idx="0">
+            <a:schemeClr val="accent1"/>
+          </a:fillRef>
+          <a:effectRef idx="0">
+            <a:schemeClr val="accent1"/>
+          </a:effectRef>
+          <a:fontRef idx="minor">
+            <a:schemeClr val="tx1"/>
+          </a:fontRef>
+        </p:style>
+      </p:cxnSp>
+      <p:cxnSp>
+        <p:nvCxnSpPr>
+          <p:cNvPr id="35" name="直線單箭頭接點 34"/>
+          <p:cNvCxnSpPr/>
+          <p:nvPr/>
+        </p:nvCxnSpPr>
+        <p:spPr>
+          <a:xfrm flipV="1">
+            <a:off x="4801810" y="2636197"/>
+            <a:ext cx="0" cy="242869"/>
+          </a:xfrm>
+          <a:prstGeom prst="straightConnector1">
+            <a:avLst/>
+          </a:prstGeom>
+          <a:ln>
+            <a:tailEnd type="triangle"/>
+          </a:ln>
+        </p:spPr>
+        <p:style>
+          <a:lnRef idx="1">
+            <a:schemeClr val="accent1"/>
+          </a:lnRef>
+          <a:fillRef idx="0">
+            <a:schemeClr val="accent1"/>
+          </a:fillRef>
+          <a:effectRef idx="0">
+            <a:schemeClr val="accent1"/>
+          </a:effectRef>
+          <a:fontRef idx="minor">
+            <a:schemeClr val="tx1"/>
+          </a:fontRef>
+        </p:style>
+      </p:cxnSp>
+      <p:cxnSp>
+        <p:nvCxnSpPr>
+          <p:cNvPr id="36" name="直線單箭頭接點 35"/>
+          <p:cNvCxnSpPr/>
+          <p:nvPr/>
+        </p:nvCxnSpPr>
+        <p:spPr>
+          <a:xfrm flipV="1">
+            <a:off x="2690907" y="2636197"/>
+            <a:ext cx="0" cy="242869"/>
+          </a:xfrm>
+          <a:prstGeom prst="straightConnector1">
+            <a:avLst/>
+          </a:prstGeom>
+          <a:ln>
+            <a:tailEnd type="triangle"/>
+          </a:ln>
+        </p:spPr>
+        <p:style>
+          <a:lnRef idx="1">
+            <a:schemeClr val="accent1"/>
+          </a:lnRef>
+          <a:fillRef idx="0">
+            <a:schemeClr val="accent1"/>
+          </a:fillRef>
+          <a:effectRef idx="0">
+            <a:schemeClr val="accent1"/>
+          </a:effectRef>
+          <a:fontRef idx="minor">
+            <a:schemeClr val="tx1"/>
+          </a:fontRef>
+        </p:style>
+      </p:cxnSp>
+      <p:sp>
+        <p:nvSpPr>
+          <p:cNvPr id="37" name="文字方塊 36"/>
+          <p:cNvSpPr txBox="1"/>
+          <p:nvPr/>
+        </p:nvSpPr>
+        <p:spPr>
+          <a:xfrm>
+            <a:off x="107002" y="1429965"/>
+            <a:ext cx="1117678" cy="369332"/>
+          </a:xfrm>
+          <a:prstGeom prst="rect">
+            <a:avLst/>
+          </a:prstGeom>
+          <a:noFill/>
+        </p:spPr>
+        <p:txBody>
+          <a:bodyPr wrap="none" rtlCol="0">
+            <a:spAutoFit/>
+          </a:bodyPr>
+          <a:lstStyle/>
+          <a:p>
+            <a:r>
+              <a:rPr lang="en-US" altLang="zh-TW" dirty="0" smtClean="0"/>
+              <a:t>TCP:</a:t>
+            </a:r>
+            <a:r>
+              <a:rPr lang="zh-TW" altLang="en-US" dirty="0" smtClean="0"/>
+              <a:t> </a:t>
+            </a:r>
+            <a:r>
+              <a:rPr lang="en-US" altLang="zh-TW" dirty="0" smtClean="0"/>
+              <a:t>8000</a:t>
+            </a:r>
+            <a:endParaRPr lang="zh-TW" altLang="en-US" dirty="0"/>
+          </a:p>
+        </p:txBody>
+      </p:sp>
+    </p:spTree>
+    <p:extLst>
+      <p:ext uri="{BB962C8B-B14F-4D97-AF65-F5344CB8AC3E}">
+        <p14:creationId xmlns:p14="http://schemas.microsoft.com/office/powerpoint/2010/main" val="3326043470"/>
+      </p:ext>
+    </p:extLst>
+  </p:cSld>
+  <p:clrMapOvr>
+    <a:masterClrMapping/>
+  </p:clrMapOvr>
+  <p:timing>
+    <p:tnLst>
+      <p:par>
+        <p:cTn id="1" dur="indefinite" restart="never" nodeType="tmRoot"/>
+      </p:par>
+    </p:tnLst>
+  </p:timing>
+</p:sld>
+</file>
+
+<file path=ppt/slides/slide6.xml><?xml version="1.0" encoding="utf-8"?>
+<p:sld xmlns:a="http://schemas.openxmlformats.org/drawingml/2006/main" xmlns:r="http://schemas.openxmlformats.org/officeDocument/2006/relationships" xmlns:p="http://schemas.openxmlformats.org/presentationml/2006/main">
+  <p:cSld>
+    <p:spTree>
+      <p:nvGrpSpPr>
+        <p:cNvPr id="1" name=""/>
+        <p:cNvGrpSpPr/>
+        <p:nvPr/>
+      </p:nvGrpSpPr>
+      <p:grpSpPr>
+        <a:xfrm>
+          <a:off x="0" y="0"/>
+          <a:ext cx="0" cy="0"/>
+          <a:chOff x="0" y="0"/>
+          <a:chExt cx="0" cy="0"/>
+        </a:xfrm>
+      </p:grpSpPr>
+      <p:sp>
+        <p:nvSpPr>
+          <p:cNvPr id="4" name="圓角矩形 3"/>
+          <p:cNvSpPr/>
+          <p:nvPr/>
+        </p:nvSpPr>
+        <p:spPr>
+          <a:xfrm>
+            <a:off x="1172156" y="749030"/>
+            <a:ext cx="9887141" cy="4114800"/>
+          </a:xfrm>
+          <a:prstGeom prst="roundRect">
+            <a:avLst>
+              <a:gd name="adj" fmla="val 11702"/>
+            </a:avLst>
+          </a:prstGeom>
+          <a:ln>
+            <a:prstDash val="dash"/>
+          </a:ln>
+        </p:spPr>
+        <p:style>
+          <a:lnRef idx="2">
+            <a:schemeClr val="accent1"/>
+          </a:lnRef>
+          <a:fillRef idx="1">
+            <a:schemeClr val="lt1"/>
+          </a:fillRef>
+          <a:effectRef idx="0">
+            <a:schemeClr val="accent1"/>
+          </a:effectRef>
+          <a:fontRef idx="minor">
+            <a:schemeClr val="dk1"/>
+          </a:fontRef>
+        </p:style>
+        <p:txBody>
+          <a:bodyPr rtlCol="0" anchor="ctr"/>
+          <a:lstStyle/>
+          <a:p>
+            <a:pPr algn="ctr"/>
+            <a:endParaRPr lang="zh-TW" altLang="en-US"/>
+          </a:p>
+        </p:txBody>
+      </p:sp>
+      <p:sp>
+        <p:nvSpPr>
+          <p:cNvPr id="5" name="文字方塊 4"/>
+          <p:cNvSpPr txBox="1"/>
+          <p:nvPr/>
+        </p:nvSpPr>
+        <p:spPr>
+          <a:xfrm>
+            <a:off x="1410509" y="4445540"/>
+            <a:ext cx="2033057" cy="369332"/>
+          </a:xfrm>
+          <a:prstGeom prst="rect">
+            <a:avLst/>
+          </a:prstGeom>
+          <a:noFill/>
+        </p:spPr>
+        <p:txBody>
+          <a:bodyPr wrap="none" rtlCol="0">
+            <a:spAutoFit/>
+          </a:bodyPr>
+          <a:lstStyle/>
+          <a:p>
+            <a:r>
+              <a:rPr lang="en-US" altLang="zh-TW" dirty="0" smtClean="0"/>
+              <a:t>Windows Container</a:t>
+            </a:r>
+            <a:endParaRPr lang="zh-TW" altLang="en-US" dirty="0"/>
+          </a:p>
+        </p:txBody>
+      </p:sp>
+      <p:sp>
+        <p:nvSpPr>
+          <p:cNvPr id="6" name="圓角矩形 5"/>
+          <p:cNvSpPr/>
+          <p:nvPr/>
+        </p:nvSpPr>
+        <p:spPr>
+          <a:xfrm>
+            <a:off x="1682883" y="982494"/>
+            <a:ext cx="8978257" cy="505838"/>
+          </a:xfrm>
+          <a:prstGeom prst="roundRect">
+            <a:avLst/>
+          </a:prstGeom>
+        </p:spPr>
+        <p:style>
+          <a:lnRef idx="2">
+            <a:schemeClr val="accent2"/>
+          </a:lnRef>
+          <a:fillRef idx="1">
+            <a:schemeClr val="lt1"/>
+          </a:fillRef>
+          <a:effectRef idx="0">
+            <a:schemeClr val="accent2"/>
+          </a:effectRef>
+          <a:fontRef idx="minor">
+            <a:schemeClr val="dk1"/>
+          </a:fontRef>
+        </p:style>
+        <p:txBody>
+          <a:bodyPr rtlCol="0" anchor="ctr"/>
+          <a:lstStyle/>
+          <a:p>
+            <a:pPr algn="ctr"/>
+            <a:r>
+              <a:rPr lang="en-US" altLang="zh-TW" dirty="0" smtClean="0"/>
+              <a:t>Demo Client</a:t>
+            </a:r>
+            <a:endParaRPr lang="zh-TW" altLang="en-US" dirty="0"/>
+          </a:p>
+        </p:txBody>
+      </p:sp>
+      <p:sp>
+        <p:nvSpPr>
+          <p:cNvPr id="10" name="圓角矩形 9"/>
+          <p:cNvSpPr/>
+          <p:nvPr/>
+        </p:nvSpPr>
+        <p:spPr>
+          <a:xfrm>
+            <a:off x="1682884" y="1682887"/>
+            <a:ext cx="2023354" cy="982493"/>
+          </a:xfrm>
+          <a:prstGeom prst="roundRect">
+            <a:avLst/>
+          </a:prstGeom>
+        </p:spPr>
+        <p:style>
+          <a:lnRef idx="2">
+            <a:schemeClr val="accent2"/>
+          </a:lnRef>
+          <a:fillRef idx="1">
+            <a:schemeClr val="lt1"/>
+          </a:fillRef>
+          <a:effectRef idx="0">
+            <a:schemeClr val="accent2"/>
+          </a:effectRef>
+          <a:fontRef idx="minor">
+            <a:schemeClr val="dk1"/>
+          </a:fontRef>
+        </p:style>
+        <p:txBody>
+          <a:bodyPr rtlCol="0" anchor="ctr"/>
+          <a:lstStyle/>
+          <a:p>
+            <a:pPr algn="ctr"/>
+            <a:r>
+              <a:rPr lang="en-US" altLang="zh-TW" dirty="0" smtClean="0"/>
+              <a:t>IP2C.WebAPI</a:t>
+            </a:r>
+            <a:endParaRPr lang="zh-TW" altLang="en-US" dirty="0"/>
+          </a:p>
+        </p:txBody>
+      </p:sp>
+      <p:sp>
+        <p:nvSpPr>
+          <p:cNvPr id="11" name="圓角矩形 10"/>
+          <p:cNvSpPr/>
+          <p:nvPr/>
+        </p:nvSpPr>
+        <p:spPr>
+          <a:xfrm>
+            <a:off x="3779168" y="1682887"/>
+            <a:ext cx="2023354" cy="982493"/>
+          </a:xfrm>
+          <a:prstGeom prst="roundRect">
+            <a:avLst/>
+          </a:prstGeom>
+        </p:spPr>
+        <p:style>
+          <a:lnRef idx="2">
+            <a:schemeClr val="accent2"/>
+          </a:lnRef>
+          <a:fillRef idx="1">
+            <a:schemeClr val="lt1"/>
+          </a:fillRef>
+          <a:effectRef idx="0">
+            <a:schemeClr val="accent2"/>
+          </a:effectRef>
+          <a:fontRef idx="minor">
+            <a:schemeClr val="dk1"/>
+          </a:fontRef>
+        </p:style>
+        <p:txBody>
+          <a:bodyPr rtlCol="0" anchor="ctr"/>
+          <a:lstStyle/>
+          <a:p>
+            <a:pPr algn="ctr"/>
+            <a:r>
+              <a:rPr lang="en-US" altLang="zh-TW" dirty="0" smtClean="0"/>
+              <a:t>IP2C.WebAPI</a:t>
+            </a:r>
+            <a:endParaRPr lang="zh-TW" altLang="en-US" dirty="0"/>
+          </a:p>
+        </p:txBody>
+      </p:sp>
+      <p:sp>
+        <p:nvSpPr>
+          <p:cNvPr id="16" name="圓角矩形 15"/>
+          <p:cNvSpPr/>
+          <p:nvPr/>
+        </p:nvSpPr>
+        <p:spPr>
+          <a:xfrm>
+            <a:off x="5875452" y="1682887"/>
+            <a:ext cx="2023354" cy="982493"/>
+          </a:xfrm>
+          <a:prstGeom prst="roundRect">
+            <a:avLst/>
+          </a:prstGeom>
+        </p:spPr>
+        <p:style>
+          <a:lnRef idx="2">
+            <a:schemeClr val="accent2"/>
+          </a:lnRef>
+          <a:fillRef idx="1">
+            <a:schemeClr val="lt1"/>
+          </a:fillRef>
+          <a:effectRef idx="0">
+            <a:schemeClr val="accent2"/>
+          </a:effectRef>
+          <a:fontRef idx="minor">
+            <a:schemeClr val="dk1"/>
+          </a:fontRef>
+        </p:style>
+        <p:txBody>
+          <a:bodyPr rtlCol="0" anchor="ctr"/>
+          <a:lstStyle/>
+          <a:p>
+            <a:pPr algn="ctr"/>
+            <a:r>
+              <a:rPr lang="en-US" altLang="zh-TW" dirty="0" smtClean="0"/>
+              <a:t>IP2C.Worker</a:t>
+            </a:r>
+            <a:endParaRPr lang="zh-TW" altLang="en-US" dirty="0"/>
+          </a:p>
+        </p:txBody>
+      </p:sp>
+      <p:sp>
+        <p:nvSpPr>
+          <p:cNvPr id="17" name="圓角矩形 16"/>
+          <p:cNvSpPr/>
+          <p:nvPr/>
+        </p:nvSpPr>
+        <p:spPr>
+          <a:xfrm>
+            <a:off x="1682884" y="3799718"/>
+            <a:ext cx="6215922" cy="612843"/>
+          </a:xfrm>
+          <a:prstGeom prst="roundRect">
+            <a:avLst/>
+          </a:prstGeom>
+        </p:spPr>
+        <p:style>
+          <a:lnRef idx="2">
+            <a:schemeClr val="accent2"/>
+          </a:lnRef>
+          <a:fillRef idx="1">
+            <a:schemeClr val="lt1"/>
+          </a:fillRef>
+          <a:effectRef idx="0">
+            <a:schemeClr val="accent2"/>
+          </a:effectRef>
+          <a:fontRef idx="minor">
+            <a:schemeClr val="dk1"/>
+          </a:fontRef>
+        </p:style>
+        <p:txBody>
+          <a:bodyPr rtlCol="0" anchor="ctr"/>
+          <a:lstStyle/>
+          <a:p>
+            <a:pPr algn="ctr"/>
+            <a:r>
+              <a:rPr lang="en-US" altLang="zh-TW" dirty="0" smtClean="0"/>
+              <a:t>Volume: IP2C_data</a:t>
+            </a:r>
+            <a:endParaRPr lang="zh-TW" altLang="en-US" dirty="0"/>
+          </a:p>
+        </p:txBody>
+      </p:sp>
+      <p:cxnSp>
+        <p:nvCxnSpPr>
+          <p:cNvPr id="28" name="直線單箭頭接點 27"/>
+          <p:cNvCxnSpPr>
+            <a:endCxn id="10" idx="0"/>
+          </p:cNvCxnSpPr>
+          <p:nvPr/>
+        </p:nvCxnSpPr>
+        <p:spPr>
+          <a:xfrm flipH="1">
+            <a:off x="2694561" y="1488332"/>
+            <a:ext cx="1" cy="194555"/>
+          </a:xfrm>
+          <a:prstGeom prst="straightConnector1">
+            <a:avLst/>
+          </a:prstGeom>
+          <a:ln>
+            <a:tailEnd type="triangle"/>
+          </a:ln>
+        </p:spPr>
+        <p:style>
+          <a:lnRef idx="1">
+            <a:schemeClr val="accent1"/>
+          </a:lnRef>
+          <a:fillRef idx="0">
+            <a:schemeClr val="accent1"/>
+          </a:fillRef>
+          <a:effectRef idx="0">
+            <a:schemeClr val="accent1"/>
+          </a:effectRef>
+          <a:fontRef idx="minor">
+            <a:schemeClr val="tx1"/>
+          </a:fontRef>
+        </p:style>
+      </p:cxnSp>
+      <p:cxnSp>
+        <p:nvCxnSpPr>
+          <p:cNvPr id="29" name="直線單箭頭接點 28"/>
+          <p:cNvCxnSpPr/>
+          <p:nvPr/>
+        </p:nvCxnSpPr>
+        <p:spPr>
+          <a:xfrm flipH="1">
+            <a:off x="4790845" y="1488332"/>
+            <a:ext cx="1" cy="194555"/>
+          </a:xfrm>
+          <a:prstGeom prst="straightConnector1">
+            <a:avLst/>
+          </a:prstGeom>
+          <a:ln>
+            <a:tailEnd type="triangle"/>
+          </a:ln>
+        </p:spPr>
+        <p:style>
+          <a:lnRef idx="1">
+            <a:schemeClr val="accent1"/>
+          </a:lnRef>
+          <a:fillRef idx="0">
+            <a:schemeClr val="accent1"/>
+          </a:fillRef>
+          <a:effectRef idx="0">
+            <a:schemeClr val="accent1"/>
+          </a:effectRef>
+          <a:fontRef idx="minor">
+            <a:schemeClr val="tx1"/>
+          </a:fontRef>
+        </p:style>
+      </p:cxnSp>
+      <p:cxnSp>
+        <p:nvCxnSpPr>
+          <p:cNvPr id="30" name="直線單箭頭接點 29"/>
+          <p:cNvCxnSpPr/>
+          <p:nvPr/>
+        </p:nvCxnSpPr>
+        <p:spPr>
+          <a:xfrm flipH="1">
+            <a:off x="6762741" y="2655653"/>
+            <a:ext cx="1" cy="1144065"/>
+          </a:xfrm>
+          <a:prstGeom prst="straightConnector1">
+            <a:avLst/>
+          </a:prstGeom>
+          <a:ln>
+            <a:tailEnd type="triangle"/>
+          </a:ln>
+        </p:spPr>
+        <p:style>
+          <a:lnRef idx="1">
+            <a:schemeClr val="accent1"/>
+          </a:lnRef>
+          <a:fillRef idx="0">
+            <a:schemeClr val="accent1"/>
+          </a:fillRef>
+          <a:effectRef idx="0">
+            <a:schemeClr val="accent1"/>
+          </a:effectRef>
+          <a:fontRef idx="minor">
+            <a:schemeClr val="tx1"/>
+          </a:fontRef>
+        </p:style>
+      </p:cxnSp>
+      <p:cxnSp>
+        <p:nvCxnSpPr>
+          <p:cNvPr id="35" name="直線單箭頭接點 34"/>
+          <p:cNvCxnSpPr/>
+          <p:nvPr/>
+        </p:nvCxnSpPr>
+        <p:spPr>
+          <a:xfrm flipV="1">
+            <a:off x="4666458" y="2650789"/>
+            <a:ext cx="10965" cy="1163520"/>
+          </a:xfrm>
+          <a:prstGeom prst="straightConnector1">
+            <a:avLst/>
+          </a:prstGeom>
+          <a:ln>
+            <a:tailEnd type="triangle"/>
+          </a:ln>
+        </p:spPr>
+        <p:style>
+          <a:lnRef idx="1">
+            <a:schemeClr val="accent1"/>
+          </a:lnRef>
+          <a:fillRef idx="0">
+            <a:schemeClr val="accent1"/>
+          </a:fillRef>
+          <a:effectRef idx="0">
+            <a:schemeClr val="accent1"/>
+          </a:effectRef>
+          <a:fontRef idx="minor">
+            <a:schemeClr val="tx1"/>
+          </a:fontRef>
+        </p:style>
+      </p:cxnSp>
+      <p:cxnSp>
+        <p:nvCxnSpPr>
+          <p:cNvPr id="36" name="直線單箭頭接點 35"/>
+          <p:cNvCxnSpPr/>
+          <p:nvPr/>
+        </p:nvCxnSpPr>
+        <p:spPr>
+          <a:xfrm flipV="1">
+            <a:off x="2579696" y="2655653"/>
+            <a:ext cx="0" cy="1163520"/>
+          </a:xfrm>
+          <a:prstGeom prst="straightConnector1">
+            <a:avLst/>
+          </a:prstGeom>
+          <a:ln>
+            <a:tailEnd type="triangle"/>
+          </a:ln>
+        </p:spPr>
+        <p:style>
+          <a:lnRef idx="1">
+            <a:schemeClr val="accent1"/>
+          </a:lnRef>
+          <a:fillRef idx="0">
+            <a:schemeClr val="accent1"/>
+          </a:fillRef>
+          <a:effectRef idx="0">
+            <a:schemeClr val="accent1"/>
+          </a:effectRef>
+          <a:fontRef idx="minor">
+            <a:schemeClr val="tx1"/>
+          </a:fontRef>
+        </p:style>
+      </p:cxnSp>
+      <p:sp>
+        <p:nvSpPr>
+          <p:cNvPr id="12" name="圓角矩形 11"/>
+          <p:cNvSpPr/>
+          <p:nvPr/>
+        </p:nvSpPr>
+        <p:spPr>
+          <a:xfrm>
+            <a:off x="8125104" y="1682887"/>
+            <a:ext cx="1243584" cy="2729674"/>
+          </a:xfrm>
+          <a:prstGeom prst="roundRect">
+            <a:avLst>
+              <a:gd name="adj" fmla="val 7843"/>
+            </a:avLst>
+          </a:prstGeom>
+        </p:spPr>
+        <p:style>
+          <a:lnRef idx="2">
+            <a:schemeClr val="accent6"/>
+          </a:lnRef>
+          <a:fillRef idx="1">
+            <a:schemeClr val="lt1"/>
+          </a:fillRef>
+          <a:effectRef idx="0">
+            <a:schemeClr val="accent6"/>
+          </a:effectRef>
+          <a:fontRef idx="minor">
+            <a:schemeClr val="dk1"/>
+          </a:fontRef>
+        </p:style>
+        <p:txBody>
+          <a:bodyPr rtlCol="0" anchor="ctr"/>
+          <a:lstStyle/>
+          <a:p>
+            <a:pPr algn="ctr"/>
+            <a:r>
+              <a:rPr lang="en-US" altLang="zh-TW" dirty="0" smtClean="0"/>
+              <a:t>Service Discovery</a:t>
+            </a:r>
+          </a:p>
+          <a:p>
+            <a:pPr algn="ctr"/>
+            <a:r>
+              <a:rPr lang="en-US" altLang="zh-TW" dirty="0" smtClean="0"/>
+              <a:t>+</a:t>
+            </a:r>
+          </a:p>
+          <a:p>
+            <a:pPr algn="ctr"/>
+            <a:r>
+              <a:rPr lang="en-US" altLang="zh-TW" dirty="0" smtClean="0"/>
+              <a:t>Health Check</a:t>
+            </a:r>
+          </a:p>
+        </p:txBody>
+      </p:sp>
+      <p:cxnSp>
+        <p:nvCxnSpPr>
+          <p:cNvPr id="14" name="直線單箭頭接點 13"/>
+          <p:cNvCxnSpPr/>
+          <p:nvPr/>
+        </p:nvCxnSpPr>
+        <p:spPr>
+          <a:xfrm flipV="1">
+            <a:off x="8583168" y="1488332"/>
+            <a:ext cx="0" cy="194555"/>
+          </a:xfrm>
+          <a:prstGeom prst="straightConnector1">
+            <a:avLst/>
+          </a:prstGeom>
+          <a:ln>
+            <a:tailEnd type="triangle"/>
+          </a:ln>
+        </p:spPr>
+        <p:style>
+          <a:lnRef idx="2">
+            <a:schemeClr val="accent6"/>
+          </a:lnRef>
+          <a:fillRef idx="0">
+            <a:schemeClr val="accent6"/>
+          </a:fillRef>
+          <a:effectRef idx="1">
+            <a:schemeClr val="accent6"/>
+          </a:effectRef>
+          <a:fontRef idx="minor">
+            <a:schemeClr val="tx1"/>
+          </a:fontRef>
+        </p:style>
+      </p:cxnSp>
+      <p:cxnSp>
+        <p:nvCxnSpPr>
+          <p:cNvPr id="25" name="直線單箭頭接點 24"/>
+          <p:cNvCxnSpPr/>
+          <p:nvPr/>
+        </p:nvCxnSpPr>
+        <p:spPr>
+          <a:xfrm>
+            <a:off x="8839200" y="1488332"/>
+            <a:ext cx="0" cy="194555"/>
+          </a:xfrm>
+          <a:prstGeom prst="straightConnector1">
+            <a:avLst/>
+          </a:prstGeom>
+          <a:ln>
+            <a:tailEnd type="triangle"/>
+          </a:ln>
+        </p:spPr>
+        <p:style>
+          <a:lnRef idx="2">
+            <a:schemeClr val="accent6"/>
+          </a:lnRef>
+          <a:fillRef idx="0">
+            <a:schemeClr val="accent6"/>
+          </a:fillRef>
+          <a:effectRef idx="1">
+            <a:schemeClr val="accent6"/>
+          </a:effectRef>
+          <a:fontRef idx="minor">
+            <a:schemeClr val="tx1"/>
+          </a:fontRef>
+        </p:style>
+      </p:cxnSp>
+      <p:sp>
+        <p:nvSpPr>
+          <p:cNvPr id="32" name="圓角矩形 31"/>
+          <p:cNvSpPr/>
+          <p:nvPr/>
+        </p:nvSpPr>
+        <p:spPr>
+          <a:xfrm>
+            <a:off x="9417557" y="1682887"/>
+            <a:ext cx="1243584" cy="2729674"/>
+          </a:xfrm>
+          <a:prstGeom prst="roundRect">
+            <a:avLst>
+              <a:gd name="adj" fmla="val 7843"/>
+            </a:avLst>
+          </a:prstGeom>
+        </p:spPr>
+        <p:style>
+          <a:lnRef idx="2">
+            <a:schemeClr val="accent6"/>
+          </a:lnRef>
+          <a:fillRef idx="1">
+            <a:schemeClr val="lt1"/>
+          </a:fillRef>
+          <a:effectRef idx="0">
+            <a:schemeClr val="accent6"/>
+          </a:effectRef>
+          <a:fontRef idx="minor">
+            <a:schemeClr val="dk1"/>
+          </a:fontRef>
+        </p:style>
+        <p:txBody>
+          <a:bodyPr rtlCol="0" anchor="ctr"/>
+          <a:lstStyle/>
+          <a:p>
+            <a:pPr algn="ctr"/>
+            <a:r>
+              <a:rPr lang="en-US" altLang="zh-TW" dirty="0" err="1" smtClean="0"/>
+              <a:t>Config</a:t>
+            </a:r>
+            <a:endParaRPr lang="en-US" altLang="zh-TW" dirty="0" smtClean="0"/>
+          </a:p>
+          <a:p>
+            <a:pPr algn="ctr"/>
+            <a:r>
+              <a:rPr lang="en-US" altLang="zh-TW" dirty="0" err="1" smtClean="0"/>
+              <a:t>Manag</a:t>
+            </a:r>
+            <a:endParaRPr lang="en-US" altLang="zh-TW" dirty="0" smtClean="0"/>
+          </a:p>
+        </p:txBody>
+      </p:sp>
+      <p:cxnSp>
+        <p:nvCxnSpPr>
+          <p:cNvPr id="27" name="肘形接點 26"/>
+          <p:cNvCxnSpPr>
+            <a:stCxn id="10" idx="2"/>
+          </p:cNvCxnSpPr>
+          <p:nvPr/>
+        </p:nvCxnSpPr>
+        <p:spPr>
+          <a:xfrm rot="16200000" flipH="1">
+            <a:off x="5164683" y="195257"/>
+            <a:ext cx="490299" cy="5430543"/>
+          </a:xfrm>
+          <a:prstGeom prst="bentConnector2">
+            <a:avLst/>
+          </a:prstGeom>
+          <a:ln>
+            <a:tailEnd type="triangle"/>
+          </a:ln>
+        </p:spPr>
+        <p:style>
+          <a:lnRef idx="2">
+            <a:schemeClr val="accent6"/>
+          </a:lnRef>
+          <a:fillRef idx="0">
+            <a:schemeClr val="accent6"/>
+          </a:fillRef>
+          <a:effectRef idx="1">
+            <a:schemeClr val="accent6"/>
+          </a:effectRef>
+          <a:fontRef idx="minor">
+            <a:schemeClr val="tx1"/>
+          </a:fontRef>
+        </p:style>
+      </p:cxnSp>
+      <p:cxnSp>
+        <p:nvCxnSpPr>
+          <p:cNvPr id="33" name="肘形接點 32"/>
+          <p:cNvCxnSpPr>
+            <a:stCxn id="11" idx="2"/>
+          </p:cNvCxnSpPr>
+          <p:nvPr/>
+        </p:nvCxnSpPr>
+        <p:spPr>
+          <a:xfrm rot="16200000" flipH="1">
+            <a:off x="6266802" y="1189422"/>
+            <a:ext cx="382344" cy="3334259"/>
+          </a:xfrm>
+          <a:prstGeom prst="bentConnector2">
+            <a:avLst/>
+          </a:prstGeom>
+          <a:ln>
+            <a:tailEnd type="triangle"/>
+          </a:ln>
+        </p:spPr>
+        <p:style>
+          <a:lnRef idx="2">
+            <a:schemeClr val="accent6"/>
+          </a:lnRef>
+          <a:fillRef idx="0">
+            <a:schemeClr val="accent6"/>
+          </a:fillRef>
+          <a:effectRef idx="1">
+            <a:schemeClr val="accent6"/>
+          </a:effectRef>
+          <a:fontRef idx="minor">
+            <a:schemeClr val="tx1"/>
+          </a:fontRef>
+        </p:style>
+      </p:cxnSp>
+      <p:cxnSp>
+        <p:nvCxnSpPr>
+          <p:cNvPr id="38" name="肘形接點 37"/>
+          <p:cNvCxnSpPr>
+            <a:stCxn id="16" idx="2"/>
+          </p:cNvCxnSpPr>
+          <p:nvPr/>
+        </p:nvCxnSpPr>
+        <p:spPr>
+          <a:xfrm rot="16200000" flipH="1">
+            <a:off x="7365243" y="2187266"/>
+            <a:ext cx="288886" cy="1245114"/>
+          </a:xfrm>
+          <a:prstGeom prst="bentConnector2">
+            <a:avLst/>
+          </a:prstGeom>
+          <a:ln>
+            <a:tailEnd type="triangle"/>
+          </a:ln>
+        </p:spPr>
+        <p:style>
+          <a:lnRef idx="2">
+            <a:schemeClr val="accent6"/>
+          </a:lnRef>
+          <a:fillRef idx="0">
+            <a:schemeClr val="accent6"/>
+          </a:fillRef>
+          <a:effectRef idx="1">
+            <a:schemeClr val="accent6"/>
+          </a:effectRef>
+          <a:fontRef idx="minor">
+            <a:schemeClr val="tx1"/>
+          </a:fontRef>
+        </p:style>
+      </p:cxnSp>
+    </p:spTree>
+    <p:extLst>
+      <p:ext uri="{BB962C8B-B14F-4D97-AF65-F5344CB8AC3E}">
+        <p14:creationId xmlns:p14="http://schemas.microsoft.com/office/powerpoint/2010/main" val="3520846193"/>
+      </p:ext>
+    </p:extLst>
+  </p:cSld>
+  <p:clrMapOvr>
+    <a:masterClrMapping/>
+  </p:clrMapOvr>
+  <p:timing>
+    <p:tnLst>
+      <p:par>
+        <p:cTn id="1" dur="indefinite" restart="never" nodeType="tmRoot"/>
+      </p:par>
+    </p:tnLst>
+  </p:timing>
+</p:sld>
+</file>
+
+<file path=ppt/slides/slide7.xml><?xml version="1.0" encoding="utf-8"?>
+<p:sld xmlns:a="http://schemas.openxmlformats.org/drawingml/2006/main" xmlns:r="http://schemas.openxmlformats.org/officeDocument/2006/relationships" xmlns:p="http://schemas.openxmlformats.org/presentationml/2006/main">
+  <p:cSld>
+    <p:spTree>
+      <p:nvGrpSpPr>
+        <p:cNvPr id="1" name=""/>
+        <p:cNvGrpSpPr/>
+        <p:nvPr/>
+      </p:nvGrpSpPr>
+      <p:grpSpPr>
+        <a:xfrm>
+          <a:off x="0" y="0"/>
+          <a:ext cx="0" cy="0"/>
+          <a:chOff x="0" y="0"/>
+          <a:chExt cx="0" cy="0"/>
+        </a:xfrm>
+      </p:grpSpPr>
+    </p:spTree>
+    <p:extLst>
+      <p:ext uri="{BB962C8B-B14F-4D97-AF65-F5344CB8AC3E}">
+        <p14:creationId xmlns:p14="http://schemas.microsoft.com/office/powerpoint/2010/main" val="1852312522"/>
+      </p:ext>
+    </p:extLst>
+  </p:cSld>
+  <p:clrMapOvr>
+    <a:masterClrMapping/>
+  </p:clrMapOvr>
+  <p:timing>
+    <p:tnLst>
+      <p:par>
+        <p:cTn id="1" dur="indefinite" restart="never" nodeType="tmRoot"/>
+      </p:par>
+    </p:tnLst>
+  </p:timing>
+</p:sld>
+</file>
+
+<file path=ppt/slides/slide8.xml><?xml version="1.0" encoding="utf-8"?>
+<p:sld xmlns:a="http://schemas.openxmlformats.org/drawingml/2006/main" xmlns:r="http://schemas.openxmlformats.org/officeDocument/2006/relationships" xmlns:p="http://schemas.openxmlformats.org/presentationml/2006/main">
+  <p:cSld>
+    <p:spTree>
+      <p:nvGrpSpPr>
+        <p:cNvPr id="1" name=""/>
+        <p:cNvGrpSpPr/>
+        <p:nvPr/>
+      </p:nvGrpSpPr>
+      <p:grpSpPr>
+        <a:xfrm>
+          <a:off x="0" y="0"/>
+          <a:ext cx="0" cy="0"/>
+          <a:chOff x="0" y="0"/>
+          <a:chExt cx="0" cy="0"/>
+        </a:xfrm>
+      </p:grpSpPr>
+      <p:sp>
+        <p:nvSpPr>
+          <p:cNvPr id="2" name="標題 1"/>
+          <p:cNvSpPr>
+            <a:spLocks noGrp="1"/>
+          </p:cNvSpPr>
+          <p:nvPr>
+            <p:ph type="title"/>
+          </p:nvPr>
+        </p:nvSpPr>
+        <p:spPr/>
+        <p:txBody>
+          <a:bodyPr/>
+          <a:lstStyle/>
+          <a:p>
+            <a:endParaRPr lang="en-US"/>
+          </a:p>
+        </p:txBody>
+      </p:sp>
+      <p:sp>
+        <p:nvSpPr>
+          <p:cNvPr id="3" name="內容版面配置區 2"/>
+          <p:cNvSpPr>
+            <a:spLocks noGrp="1"/>
+          </p:cNvSpPr>
+          <p:nvPr>
+            <p:ph idx="1"/>
+          </p:nvPr>
+        </p:nvSpPr>
+        <p:spPr/>
+        <p:txBody>
+          <a:bodyPr/>
+          <a:lstStyle/>
+          <a:p>
+            <a:endParaRPr lang="en-US"/>
+          </a:p>
+        </p:txBody>
+      </p:sp>
+    </p:spTree>
+    <p:extLst>
+      <p:ext uri="{BB962C8B-B14F-4D97-AF65-F5344CB8AC3E}">
+        <p14:creationId xmlns:p14="http://schemas.microsoft.com/office/powerpoint/2010/main" val="127967166"/>
+      </p:ext>
+    </p:extLst>
+  </p:cSld>
+  <p:clrMapOvr>
+    <a:masterClrMapping/>
+  </p:clrMapOvr>
+  <p:timing>
+    <p:tnLst>
+      <p:par>
+        <p:cTn id="1" dur="indefinite" restart="never" nodeType="tmRoot"/>
+      </p:par>
+    </p:tnLst>
+  </p:timing>
+</p:sld>
+</file>
+
 <file path=ppt/theme/theme1.xml><?xml version="1.0" encoding="utf-8"?>
 <a:theme xmlns:a="http://schemas.openxmlformats.org/drawingml/2006/main" name="Office 佈景主題">
   <a:themeElements>
